--- a/LplcSimulator/LplcSimulator/原稿/カメラ設置条件図.pptx
+++ b/LplcSimulator/LplcSimulator/原稿/カメラ設置条件図.pptx
@@ -3259,211 +3259,431 @@
       </p:grpSpPr>
       <p:grpSp>
         <p:nvGrpSpPr>
-          <p:cNvPr id="10" name="グループ化 9"/>
+          <p:cNvPr id="17" name="グループ化 16"/>
           <p:cNvGrpSpPr/>
           <p:nvPr/>
         </p:nvGrpSpPr>
         <p:grpSpPr>
           <a:xfrm>
-            <a:off x="637276" y="2522339"/>
-            <a:ext cx="10686365" cy="4067646"/>
-            <a:chOff x="723985" y="2191264"/>
-            <a:chExt cx="10686365" cy="4067646"/>
+            <a:off x="637276" y="1058579"/>
+            <a:ext cx="10686365" cy="5531406"/>
+            <a:chOff x="637276" y="1058579"/>
+            <a:chExt cx="10686365" cy="5531406"/>
           </a:xfrm>
         </p:grpSpPr>
-        <p:sp>
-          <p:nvSpPr>
-            <p:cNvPr id="5" name="角丸四角形吹き出し 4"/>
-            <p:cNvSpPr/>
+        <p:grpSp>
+          <p:nvGrpSpPr>
+            <p:cNvPr id="10" name="グループ化 9"/>
+            <p:cNvGrpSpPr/>
             <p:nvPr/>
-          </p:nvSpPr>
-          <p:spPr>
+          </p:nvGrpSpPr>
+          <p:grpSpPr>
             <a:xfrm>
-              <a:off x="1491049" y="3496962"/>
-              <a:ext cx="4267200" cy="2586681"/>
+              <a:off x="637276" y="2522339"/>
+              <a:ext cx="10686365" cy="4067646"/>
+              <a:chOff x="723985" y="2191264"/>
+              <a:chExt cx="10686365" cy="4067646"/>
             </a:xfrm>
-            <a:prstGeom prst="wedgeRoundRectCallout">
-              <a:avLst>
-                <a:gd name="adj1" fmla="val -47667"/>
-                <a:gd name="adj2" fmla="val -72213"/>
-                <a:gd name="adj3" fmla="val 16667"/>
-              </a:avLst>
-            </a:prstGeom>
-            <a:ln w="57150"/>
-          </p:spPr>
-          <p:style>
-            <a:lnRef idx="2">
-              <a:schemeClr val="dk1"/>
-            </a:lnRef>
-            <a:fillRef idx="1">
-              <a:schemeClr val="lt1"/>
-            </a:fillRef>
-            <a:effectRef idx="0">
-              <a:schemeClr val="dk1"/>
-            </a:effectRef>
-            <a:fontRef idx="minor">
-              <a:schemeClr val="dk1"/>
-            </a:fontRef>
-          </p:style>
-          <p:txBody>
-            <a:bodyPr rtlCol="0" anchor="ctr"/>
-            <a:lstStyle/>
-            <a:p>
-              <a:pPr algn="ctr"/>
-              <a:endParaRPr kumimoji="1" lang="ja-JP" altLang="en-US"/>
-            </a:p>
-          </p:txBody>
-        </p:sp>
-        <p:sp>
-          <p:nvSpPr>
-            <p:cNvPr id="7" name="角丸四角形吹き出し 6"/>
-            <p:cNvSpPr/>
-            <p:nvPr/>
-          </p:nvSpPr>
-          <p:spPr>
-            <a:xfrm flipH="1">
-              <a:off x="6376086" y="3496962"/>
-              <a:ext cx="4267200" cy="2586681"/>
-            </a:xfrm>
-            <a:prstGeom prst="wedgeRoundRectCallout">
-              <a:avLst>
-                <a:gd name="adj1" fmla="val -47667"/>
-                <a:gd name="adj2" fmla="val -72213"/>
-                <a:gd name="adj3" fmla="val 16667"/>
-              </a:avLst>
-            </a:prstGeom>
-            <a:ln w="57150"/>
-          </p:spPr>
-          <p:style>
-            <a:lnRef idx="2">
-              <a:schemeClr val="dk1"/>
-            </a:lnRef>
-            <a:fillRef idx="1">
-              <a:schemeClr val="lt1"/>
-            </a:fillRef>
-            <a:effectRef idx="0">
-              <a:schemeClr val="dk1"/>
-            </a:effectRef>
-            <a:fontRef idx="minor">
-              <a:schemeClr val="dk1"/>
-            </a:fontRef>
-          </p:style>
-          <p:txBody>
-            <a:bodyPr rtlCol="0" anchor="ctr"/>
-            <a:lstStyle/>
-            <a:p>
-              <a:pPr algn="ctr"/>
-              <a:endParaRPr kumimoji="1" lang="ja-JP" altLang="en-US"/>
-            </a:p>
-          </p:txBody>
-        </p:sp>
-        <p:sp>
-          <p:nvSpPr>
-            <p:cNvPr id="2" name="正方形/長方形 1"/>
-            <p:cNvSpPr/>
-            <p:nvPr/>
-          </p:nvSpPr>
-          <p:spPr>
-            <a:xfrm>
-              <a:off x="5758249" y="2191264"/>
-              <a:ext cx="617837" cy="4067646"/>
-            </a:xfrm>
-            <a:prstGeom prst="rect">
-              <a:avLst/>
-            </a:prstGeom>
-            <a:ln w="57150"/>
-          </p:spPr>
-          <p:style>
-            <a:lnRef idx="2">
-              <a:schemeClr val="dk1"/>
-            </a:lnRef>
-            <a:fillRef idx="1">
-              <a:schemeClr val="lt1"/>
-            </a:fillRef>
-            <a:effectRef idx="0">
-              <a:schemeClr val="dk1"/>
-            </a:effectRef>
-            <a:fontRef idx="minor">
-              <a:schemeClr val="dk1"/>
-            </a:fontRef>
-          </p:style>
-          <p:txBody>
-            <a:bodyPr vert="eaVert" rtlCol="0" anchor="ctr"/>
-            <a:lstStyle/>
-            <a:p>
-              <a:r>
-                <a:rPr kumimoji="1" lang="ja-JP" altLang="en-US" dirty="0" smtClean="0"/>
-                <a:t>　　　　　</a:t>
-              </a:r>
-              <a:r>
-                <a:rPr kumimoji="1" lang="ja-JP" altLang="en-US" sz="2400" dirty="0" smtClean="0"/>
-                <a:t>人流センサ</a:t>
-              </a:r>
-              <a:endParaRPr kumimoji="1" lang="ja-JP" altLang="en-US" sz="2400" dirty="0"/>
-            </a:p>
-          </p:txBody>
-        </p:sp>
-        <p:sp>
-          <p:nvSpPr>
-            <p:cNvPr id="3" name="左矢印 2"/>
-            <p:cNvSpPr/>
-            <p:nvPr/>
-          </p:nvSpPr>
-          <p:spPr>
-            <a:xfrm>
-              <a:off x="2986249" y="4430302"/>
-              <a:ext cx="2772000" cy="720000"/>
-            </a:xfrm>
-            <a:prstGeom prst="leftArrow">
-              <a:avLst/>
-            </a:prstGeom>
-            <a:ln w="57150"/>
-          </p:spPr>
-          <p:style>
-            <a:lnRef idx="2">
-              <a:schemeClr val="accent1"/>
-            </a:lnRef>
-            <a:fillRef idx="1">
-              <a:schemeClr val="lt1"/>
-            </a:fillRef>
-            <a:effectRef idx="0">
-              <a:schemeClr val="accent1"/>
-            </a:effectRef>
-            <a:fontRef idx="minor">
-              <a:schemeClr val="dk1"/>
-            </a:fontRef>
-          </p:style>
-          <p:txBody>
-            <a:bodyPr rtlCol="0" anchor="ctr"/>
-            <a:lstStyle/>
-            <a:p>
-              <a:pPr algn="ctr"/>
-              <a:r>
-                <a:rPr lang="en-US" altLang="ja-JP" sz="2800" dirty="0"/>
-                <a:t>i</a:t>
-              </a:r>
-              <a:r>
-                <a:rPr kumimoji="1" lang="en-US" altLang="ja-JP" sz="2800" dirty="0" smtClean="0"/>
-                <a:t>n</a:t>
-              </a:r>
-              <a:r>
-                <a:rPr kumimoji="1" lang="ja-JP" altLang="en-US" sz="2800" dirty="0" smtClean="0"/>
-                <a:t>データ</a:t>
-              </a:r>
-              <a:endParaRPr kumimoji="1" lang="ja-JP" altLang="en-US" sz="2800" dirty="0"/>
-            </a:p>
-          </p:txBody>
-        </p:sp>
+          </p:grpSpPr>
+          <p:sp>
+            <p:nvSpPr>
+              <p:cNvPr id="5" name="角丸四角形吹き出し 4"/>
+              <p:cNvSpPr/>
+              <p:nvPr/>
+            </p:nvSpPr>
+            <p:spPr>
+              <a:xfrm>
+                <a:off x="1491049" y="3496962"/>
+                <a:ext cx="4267200" cy="2586681"/>
+              </a:xfrm>
+              <a:prstGeom prst="wedgeRoundRectCallout">
+                <a:avLst>
+                  <a:gd name="adj1" fmla="val -47667"/>
+                  <a:gd name="adj2" fmla="val -72213"/>
+                  <a:gd name="adj3" fmla="val 16667"/>
+                </a:avLst>
+              </a:prstGeom>
+              <a:ln w="57150"/>
+            </p:spPr>
+            <p:style>
+              <a:lnRef idx="2">
+                <a:schemeClr val="dk1"/>
+              </a:lnRef>
+              <a:fillRef idx="1">
+                <a:schemeClr val="lt1"/>
+              </a:fillRef>
+              <a:effectRef idx="0">
+                <a:schemeClr val="dk1"/>
+              </a:effectRef>
+              <a:fontRef idx="minor">
+                <a:schemeClr val="dk1"/>
+              </a:fontRef>
+            </p:style>
+            <p:txBody>
+              <a:bodyPr rtlCol="0" anchor="ctr"/>
+              <a:lstStyle/>
+              <a:p>
+                <a:pPr algn="ctr"/>
+                <a:endParaRPr kumimoji="1" lang="ja-JP" altLang="en-US"/>
+              </a:p>
+            </p:txBody>
+          </p:sp>
+          <p:sp>
+            <p:nvSpPr>
+              <p:cNvPr id="7" name="角丸四角形吹き出し 6"/>
+              <p:cNvSpPr/>
+              <p:nvPr/>
+            </p:nvSpPr>
+            <p:spPr>
+              <a:xfrm flipH="1">
+                <a:off x="6376086" y="3496962"/>
+                <a:ext cx="4267200" cy="2586681"/>
+              </a:xfrm>
+              <a:prstGeom prst="wedgeRoundRectCallout">
+                <a:avLst>
+                  <a:gd name="adj1" fmla="val -47667"/>
+                  <a:gd name="adj2" fmla="val -72213"/>
+                  <a:gd name="adj3" fmla="val 16667"/>
+                </a:avLst>
+              </a:prstGeom>
+              <a:ln w="57150"/>
+            </p:spPr>
+            <p:style>
+              <a:lnRef idx="2">
+                <a:schemeClr val="dk1"/>
+              </a:lnRef>
+              <a:fillRef idx="1">
+                <a:schemeClr val="lt1"/>
+              </a:fillRef>
+              <a:effectRef idx="0">
+                <a:schemeClr val="dk1"/>
+              </a:effectRef>
+              <a:fontRef idx="minor">
+                <a:schemeClr val="dk1"/>
+              </a:fontRef>
+            </p:style>
+            <p:txBody>
+              <a:bodyPr rtlCol="0" anchor="ctr"/>
+              <a:lstStyle/>
+              <a:p>
+                <a:pPr algn="ctr"/>
+                <a:endParaRPr kumimoji="1" lang="ja-JP" altLang="en-US"/>
+              </a:p>
+            </p:txBody>
+          </p:sp>
+          <p:sp>
+            <p:nvSpPr>
+              <p:cNvPr id="2" name="正方形/長方形 1"/>
+              <p:cNvSpPr/>
+              <p:nvPr/>
+            </p:nvSpPr>
+            <p:spPr>
+              <a:xfrm>
+                <a:off x="5758249" y="2191264"/>
+                <a:ext cx="617837" cy="4067646"/>
+              </a:xfrm>
+              <a:prstGeom prst="rect">
+                <a:avLst/>
+              </a:prstGeom>
+              <a:ln w="57150"/>
+            </p:spPr>
+            <p:style>
+              <a:lnRef idx="2">
+                <a:schemeClr val="dk1"/>
+              </a:lnRef>
+              <a:fillRef idx="1">
+                <a:schemeClr val="lt1"/>
+              </a:fillRef>
+              <a:effectRef idx="0">
+                <a:schemeClr val="dk1"/>
+              </a:effectRef>
+              <a:fontRef idx="minor">
+                <a:schemeClr val="dk1"/>
+              </a:fontRef>
+            </p:style>
+            <p:txBody>
+              <a:bodyPr vert="eaVert" rtlCol="0" anchor="ctr"/>
+              <a:lstStyle/>
+              <a:p>
+                <a:r>
+                  <a:rPr kumimoji="1" lang="ja-JP" altLang="en-US" dirty="0" smtClean="0"/>
+                  <a:t>　　　　　</a:t>
+                </a:r>
+                <a:r>
+                  <a:rPr kumimoji="1" lang="ja-JP" altLang="en-US" sz="2400" dirty="0" smtClean="0"/>
+                  <a:t>人流センサ</a:t>
+                </a:r>
+                <a:endParaRPr kumimoji="1" lang="ja-JP" altLang="en-US" sz="2400" dirty="0"/>
+              </a:p>
+            </p:txBody>
+          </p:sp>
+          <p:sp>
+            <p:nvSpPr>
+              <p:cNvPr id="3" name="左矢印 2"/>
+              <p:cNvSpPr/>
+              <p:nvPr/>
+            </p:nvSpPr>
+            <p:spPr>
+              <a:xfrm>
+                <a:off x="2986249" y="4430302"/>
+                <a:ext cx="2772000" cy="720000"/>
+              </a:xfrm>
+              <a:prstGeom prst="leftArrow">
+                <a:avLst/>
+              </a:prstGeom>
+              <a:ln w="57150"/>
+            </p:spPr>
+            <p:style>
+              <a:lnRef idx="2">
+                <a:schemeClr val="accent1"/>
+              </a:lnRef>
+              <a:fillRef idx="1">
+                <a:schemeClr val="lt1"/>
+              </a:fillRef>
+              <a:effectRef idx="0">
+                <a:schemeClr val="accent1"/>
+              </a:effectRef>
+              <a:fontRef idx="minor">
+                <a:schemeClr val="dk1"/>
+              </a:fontRef>
+            </p:style>
+            <p:txBody>
+              <a:bodyPr rtlCol="0" anchor="ctr"/>
+              <a:lstStyle/>
+              <a:p>
+                <a:pPr algn="ctr"/>
+                <a:r>
+                  <a:rPr lang="en-US" altLang="ja-JP" sz="2800" dirty="0"/>
+                  <a:t>i</a:t>
+                </a:r>
+                <a:r>
+                  <a:rPr kumimoji="1" lang="en-US" altLang="ja-JP" sz="2800" dirty="0" smtClean="0"/>
+                  <a:t>n</a:t>
+                </a:r>
+                <a:r>
+                  <a:rPr kumimoji="1" lang="ja-JP" altLang="en-US" sz="2800" dirty="0" smtClean="0"/>
+                  <a:t>データ</a:t>
+                </a:r>
+                <a:endParaRPr kumimoji="1" lang="ja-JP" altLang="en-US" sz="2800" dirty="0"/>
+              </a:p>
+            </p:txBody>
+          </p:sp>
+          <p:pic>
+            <p:nvPicPr>
+              <p:cNvPr id="1026" name="Picture 2" descr="ãã¼ã å½¢ã®é²ç¯ã«ã¡ã©ã®ã¤ã©ã¹ã"/>
+              <p:cNvPicPr>
+                <a:picLocks noChangeAspect="1" noChangeArrowheads="1"/>
+              </p:cNvPicPr>
+              <p:nvPr/>
+            </p:nvPicPr>
+            <p:blipFill>
+              <a:blip r:embed="rId2" cstate="print">
+                <a:extLst>
+                  <a:ext uri="{28A0092B-C50C-407E-A947-70E740481C1C}">
+                    <a14:useLocalDpi xmlns:a14="http://schemas.microsoft.com/office/drawing/2010/main" val="0"/>
+                  </a:ext>
+                </a:extLst>
+              </a:blip>
+              <a:srcRect/>
+              <a:stretch>
+                <a:fillRect/>
+              </a:stretch>
+            </p:blipFill>
+            <p:spPr bwMode="auto">
+              <a:xfrm>
+                <a:off x="723985" y="2191264"/>
+                <a:ext cx="910281" cy="910281"/>
+              </a:xfrm>
+              <a:prstGeom prst="rect">
+                <a:avLst/>
+              </a:prstGeom>
+              <a:noFill/>
+              <a:ln w="57150">
+                <a:noFill/>
+              </a:ln>
+              <a:extLst>
+                <a:ext uri="{909E8E84-426E-40DD-AFC4-6F175D3DCCD1}">
+                  <a14:hiddenFill xmlns:a14="http://schemas.microsoft.com/office/drawing/2010/main">
+                    <a:solidFill>
+                      <a:srgbClr val="FFFFFF"/>
+                    </a:solidFill>
+                  </a14:hiddenFill>
+                </a:ext>
+              </a:extLst>
+            </p:spPr>
+          </p:pic>
+          <p:pic>
+            <p:nvPicPr>
+              <p:cNvPr id="8" name="Picture 2" descr="ãã¼ã å½¢ã®é²ç¯ã«ã¡ã©ã®ã¤ã©ã¹ã"/>
+              <p:cNvPicPr>
+                <a:picLocks noChangeAspect="1" noChangeArrowheads="1"/>
+              </p:cNvPicPr>
+              <p:nvPr/>
+            </p:nvPicPr>
+            <p:blipFill>
+              <a:blip r:embed="rId2" cstate="print">
+                <a:extLst>
+                  <a:ext uri="{28A0092B-C50C-407E-A947-70E740481C1C}">
+                    <a14:useLocalDpi xmlns:a14="http://schemas.microsoft.com/office/drawing/2010/main" val="0"/>
+                  </a:ext>
+                </a:extLst>
+              </a:blip>
+              <a:srcRect/>
+              <a:stretch>
+                <a:fillRect/>
+              </a:stretch>
+            </p:blipFill>
+            <p:spPr bwMode="auto">
+              <a:xfrm flipH="1">
+                <a:off x="10500069" y="2191264"/>
+                <a:ext cx="910281" cy="910281"/>
+              </a:xfrm>
+              <a:prstGeom prst="rect">
+                <a:avLst/>
+              </a:prstGeom>
+              <a:noFill/>
+              <a:ln w="57150">
+                <a:noFill/>
+              </a:ln>
+              <a:extLst>
+                <a:ext uri="{909E8E84-426E-40DD-AFC4-6F175D3DCCD1}">
+                  <a14:hiddenFill xmlns:a14="http://schemas.microsoft.com/office/drawing/2010/main">
+                    <a:solidFill>
+                      <a:srgbClr val="FFFFFF"/>
+                    </a:solidFill>
+                  </a14:hiddenFill>
+                </a:ext>
+              </a:extLst>
+            </p:spPr>
+          </p:pic>
+          <p:sp>
+            <p:nvSpPr>
+              <p:cNvPr id="6" name="右矢印 5"/>
+              <p:cNvSpPr/>
+              <p:nvPr/>
+            </p:nvSpPr>
+            <p:spPr>
+              <a:xfrm>
+                <a:off x="6376086" y="4430302"/>
+                <a:ext cx="2772000" cy="720000"/>
+              </a:xfrm>
+              <a:prstGeom prst="rightArrow">
+                <a:avLst/>
+              </a:prstGeom>
+              <a:ln w="57150"/>
+            </p:spPr>
+            <p:style>
+              <a:lnRef idx="2">
+                <a:schemeClr val="accent2"/>
+              </a:lnRef>
+              <a:fillRef idx="1">
+                <a:schemeClr val="lt1"/>
+              </a:fillRef>
+              <a:effectRef idx="0">
+                <a:schemeClr val="accent2"/>
+              </a:effectRef>
+              <a:fontRef idx="minor">
+                <a:schemeClr val="dk1"/>
+              </a:fontRef>
+            </p:style>
+            <p:txBody>
+              <a:bodyPr rtlCol="0" anchor="ctr"/>
+              <a:lstStyle/>
+              <a:p>
+                <a:pPr algn="ctr"/>
+                <a:r>
+                  <a:rPr lang="en-US" altLang="ja-JP" sz="2800" dirty="0"/>
+                  <a:t>o</a:t>
+                </a:r>
+                <a:r>
+                  <a:rPr kumimoji="1" lang="en-US" altLang="ja-JP" sz="2800" dirty="0" smtClean="0"/>
+                  <a:t>ut</a:t>
+                </a:r>
+                <a:r>
+                  <a:rPr kumimoji="1" lang="ja-JP" altLang="en-US" sz="2800" dirty="0" smtClean="0"/>
+                  <a:t>データ</a:t>
+                </a:r>
+                <a:endParaRPr kumimoji="1" lang="ja-JP" altLang="en-US" sz="2800" dirty="0"/>
+              </a:p>
+            </p:txBody>
+          </p:sp>
+          <p:sp>
+            <p:nvSpPr>
+              <p:cNvPr id="9" name="テキスト ボックス 8"/>
+              <p:cNvSpPr txBox="1"/>
+              <p:nvPr/>
+            </p:nvSpPr>
+            <p:spPr>
+              <a:xfrm>
+                <a:off x="1789386" y="3626069"/>
+                <a:ext cx="2473663" cy="523220"/>
+              </a:xfrm>
+              <a:prstGeom prst="rect">
+                <a:avLst/>
+              </a:prstGeom>
+              <a:noFill/>
+              <a:ln w="57150">
+                <a:noFill/>
+              </a:ln>
+            </p:spPr>
+            <p:txBody>
+              <a:bodyPr wrap="square" rtlCol="0">
+                <a:spAutoFit/>
+              </a:bodyPr>
+              <a:lstStyle/>
+              <a:p>
+                <a:r>
+                  <a:rPr kumimoji="1" lang="ja-JP" altLang="en-US" sz="2800" dirty="0" smtClean="0"/>
+                  <a:t>カメラ有効範囲</a:t>
+                </a:r>
+                <a:endParaRPr kumimoji="1" lang="ja-JP" altLang="en-US" sz="2800" dirty="0"/>
+              </a:p>
+            </p:txBody>
+          </p:sp>
+          <p:sp>
+            <p:nvSpPr>
+              <p:cNvPr id="11" name="テキスト ボックス 10"/>
+              <p:cNvSpPr txBox="1"/>
+              <p:nvPr/>
+            </p:nvSpPr>
+            <p:spPr>
+              <a:xfrm>
+                <a:off x="7871286" y="3626069"/>
+                <a:ext cx="2628784" cy="523220"/>
+              </a:xfrm>
+              <a:prstGeom prst="rect">
+                <a:avLst/>
+              </a:prstGeom>
+              <a:noFill/>
+              <a:ln w="57150">
+                <a:noFill/>
+              </a:ln>
+            </p:spPr>
+            <p:txBody>
+              <a:bodyPr wrap="square" rtlCol="0">
+                <a:spAutoFit/>
+              </a:bodyPr>
+              <a:lstStyle/>
+              <a:p>
+                <a:r>
+                  <a:rPr kumimoji="1" lang="ja-JP" altLang="en-US" sz="2800" dirty="0" smtClean="0"/>
+                  <a:t>カメラ有効範囲</a:t>
+                </a:r>
+                <a:endParaRPr kumimoji="1" lang="ja-JP" altLang="en-US" sz="2800" dirty="0"/>
+              </a:p>
+            </p:txBody>
+          </p:sp>
+        </p:grpSp>
         <p:pic>
           <p:nvPicPr>
-            <p:cNvPr id="1026" name="Picture 2" descr="ãã¼ã å½¢ã®é²ç¯ã«ã¡ã©ã®ã¤ã©ã¹ã"/>
+            <p:cNvPr id="4" name="Picture 2" descr="Wi-Fi無線ルーターのイラスト"/>
             <p:cNvPicPr>
               <a:picLocks noChangeAspect="1" noChangeArrowheads="1"/>
             </p:cNvPicPr>
             <p:nvPr/>
           </p:nvPicPr>
           <p:blipFill>
-            <a:blip r:embed="rId2" cstate="print">
+            <a:blip r:embed="rId3">
               <a:extLst>
                 <a:ext uri="{28A0092B-C50C-407E-A947-70E740481C1C}">
                   <a14:useLocalDpi xmlns:a14="http://schemas.microsoft.com/office/drawing/2010/main" val="0"/>
@@ -3477,16 +3697,13 @@
           </p:blipFill>
           <p:spPr bwMode="auto">
             <a:xfrm>
-              <a:off x="723985" y="2191264"/>
-              <a:ext cx="910281" cy="910281"/>
+              <a:off x="5123208" y="1058579"/>
+              <a:ext cx="1714500" cy="1714500"/>
             </a:xfrm>
             <a:prstGeom prst="rect">
               <a:avLst/>
             </a:prstGeom>
             <a:noFill/>
-            <a:ln w="57150">
-              <a:noFill/>
-            </a:ln>
             <a:extLst>
               <a:ext uri="{909E8E84-426E-40DD-AFC4-6F175D3DCCD1}">
                 <a14:hiddenFill xmlns:a14="http://schemas.microsoft.com/office/drawing/2010/main">
@@ -3498,376 +3715,174 @@
             </a:extLst>
           </p:spPr>
         </p:pic>
-        <p:pic>
-          <p:nvPicPr>
-            <p:cNvPr id="8" name="Picture 2" descr="ãã¼ã å½¢ã®é²ç¯ã«ã¡ã©ã®ã¤ã©ã¹ã"/>
-            <p:cNvPicPr>
-              <a:picLocks noChangeAspect="1" noChangeArrowheads="1"/>
-            </p:cNvPicPr>
+        <p:grpSp>
+          <p:nvGrpSpPr>
+            <p:cNvPr id="16" name="グループ化 15"/>
+            <p:cNvGrpSpPr/>
             <p:nvPr/>
-          </p:nvPicPr>
-          <p:blipFill>
-            <a:blip r:embed="rId2" cstate="print">
-              <a:extLst>
-                <a:ext uri="{28A0092B-C50C-407E-A947-70E740481C1C}">
-                  <a14:useLocalDpi xmlns:a14="http://schemas.microsoft.com/office/drawing/2010/main" val="0"/>
-                </a:ext>
-              </a:extLst>
-            </a:blip>
-            <a:srcRect/>
-            <a:stretch>
-              <a:fillRect/>
-            </a:stretch>
-          </p:blipFill>
-          <p:spPr bwMode="auto">
-            <a:xfrm flipH="1">
-              <a:off x="10500069" y="2191264"/>
-              <a:ext cx="910281" cy="910281"/>
-            </a:xfrm>
-            <a:prstGeom prst="rect">
-              <a:avLst/>
-            </a:prstGeom>
-            <a:noFill/>
-            <a:ln w="57150">
-              <a:noFill/>
-            </a:ln>
-            <a:extLst>
-              <a:ext uri="{909E8E84-426E-40DD-AFC4-6F175D3DCCD1}">
-                <a14:hiddenFill xmlns:a14="http://schemas.microsoft.com/office/drawing/2010/main">
-                  <a:solidFill>
-                    <a:srgbClr val="FFFFFF"/>
-                  </a:solidFill>
-                </a14:hiddenFill>
-              </a:ext>
-            </a:extLst>
-          </p:spPr>
-        </p:pic>
-        <p:sp>
-          <p:nvSpPr>
-            <p:cNvPr id="6" name="右矢印 5"/>
-            <p:cNvSpPr/>
-            <p:nvPr/>
-          </p:nvSpPr>
-          <p:spPr>
+          </p:nvGrpSpPr>
+          <p:grpSpPr>
             <a:xfrm>
-              <a:off x="6376086" y="4430302"/>
-              <a:ext cx="2772000" cy="720000"/>
-            </a:xfrm>
-            <a:prstGeom prst="rightArrow">
-              <a:avLst/>
-            </a:prstGeom>
-            <a:ln w="57150"/>
-          </p:spPr>
-          <p:style>
-            <a:lnRef idx="2">
-              <a:schemeClr val="accent2"/>
-            </a:lnRef>
-            <a:fillRef idx="1">
-              <a:schemeClr val="lt1"/>
-            </a:fillRef>
-            <a:effectRef idx="0">
-              <a:schemeClr val="accent2"/>
-            </a:effectRef>
-            <a:fontRef idx="minor">
-              <a:schemeClr val="dk1"/>
-            </a:fontRef>
-          </p:style>
-          <p:txBody>
-            <a:bodyPr rtlCol="0" anchor="ctr"/>
-            <a:lstStyle/>
-            <a:p>
-              <a:pPr algn="ctr"/>
-              <a:r>
-                <a:rPr lang="en-US" altLang="ja-JP" sz="2800" dirty="0"/>
-                <a:t>o</a:t>
-              </a:r>
-              <a:r>
-                <a:rPr kumimoji="1" lang="en-US" altLang="ja-JP" sz="2800" dirty="0" smtClean="0"/>
-                <a:t>ut</a:t>
-              </a:r>
-              <a:r>
-                <a:rPr kumimoji="1" lang="ja-JP" altLang="en-US" sz="2800" dirty="0" smtClean="0"/>
-                <a:t>データ</a:t>
-              </a:r>
-              <a:endParaRPr kumimoji="1" lang="ja-JP" altLang="en-US" sz="2800" dirty="0"/>
-            </a:p>
-          </p:txBody>
-        </p:sp>
-        <p:sp>
-          <p:nvSpPr>
-            <p:cNvPr id="9" name="テキスト ボックス 8"/>
-            <p:cNvSpPr txBox="1"/>
-            <p:nvPr/>
-          </p:nvSpPr>
-          <p:spPr>
-            <a:xfrm>
-              <a:off x="1789386" y="3626069"/>
-              <a:ext cx="2473663" cy="523220"/>
-            </a:xfrm>
-            <a:prstGeom prst="rect">
-              <a:avLst/>
-            </a:prstGeom>
-            <a:noFill/>
-            <a:ln w="57150">
-              <a:noFill/>
-            </a:ln>
-          </p:spPr>
-          <p:txBody>
-            <a:bodyPr wrap="square" rtlCol="0">
-              <a:spAutoFit/>
-            </a:bodyPr>
-            <a:lstStyle/>
-            <a:p>
-              <a:r>
-                <a:rPr kumimoji="1" lang="ja-JP" altLang="en-US" sz="2800" dirty="0" smtClean="0"/>
-                <a:t>カメラ有効範囲</a:t>
-              </a:r>
-              <a:endParaRPr kumimoji="1" lang="ja-JP" altLang="en-US" sz="2800" dirty="0"/>
-            </a:p>
-          </p:txBody>
-        </p:sp>
-        <p:sp>
-          <p:nvSpPr>
-            <p:cNvPr id="11" name="テキスト ボックス 10"/>
-            <p:cNvSpPr txBox="1"/>
-            <p:nvPr/>
-          </p:nvSpPr>
-          <p:spPr>
-            <a:xfrm>
-              <a:off x="7871286" y="3626069"/>
-              <a:ext cx="2628784" cy="523220"/>
-            </a:xfrm>
-            <a:prstGeom prst="rect">
-              <a:avLst/>
-            </a:prstGeom>
-            <a:noFill/>
-            <a:ln w="57150">
-              <a:noFill/>
-            </a:ln>
-          </p:spPr>
-          <p:txBody>
-            <a:bodyPr wrap="square" rtlCol="0">
-              <a:spAutoFit/>
-            </a:bodyPr>
-            <a:lstStyle/>
-            <a:p>
-              <a:r>
-                <a:rPr kumimoji="1" lang="ja-JP" altLang="en-US" sz="2800" dirty="0" smtClean="0"/>
-                <a:t>カメラ有効範囲</a:t>
-              </a:r>
-              <a:endParaRPr kumimoji="1" lang="ja-JP" altLang="en-US" sz="2800" dirty="0"/>
-            </a:p>
-          </p:txBody>
-        </p:sp>
-      </p:grpSp>
-      <p:pic>
-        <p:nvPicPr>
-          <p:cNvPr id="4" name="Picture 2" descr="Wi-Fi無線ルーターのイラスト"/>
-          <p:cNvPicPr>
-            <a:picLocks noChangeAspect="1" noChangeArrowheads="1"/>
-          </p:cNvPicPr>
-          <p:nvPr/>
-        </p:nvPicPr>
-        <p:blipFill>
-          <a:blip r:embed="rId3">
-            <a:extLst>
-              <a:ext uri="{28A0092B-C50C-407E-A947-70E740481C1C}">
-                <a14:useLocalDpi xmlns:a14="http://schemas.microsoft.com/office/drawing/2010/main" val="0"/>
-              </a:ext>
-            </a:extLst>
-          </a:blip>
-          <a:srcRect/>
-          <a:stretch>
-            <a:fillRect/>
-          </a:stretch>
-        </p:blipFill>
-        <p:spPr bwMode="auto">
-          <a:xfrm>
-            <a:off x="5123208" y="1058579"/>
-            <a:ext cx="1714500" cy="1714500"/>
-          </a:xfrm>
-          <a:prstGeom prst="rect">
-            <a:avLst/>
-          </a:prstGeom>
-          <a:noFill/>
-          <a:extLst>
-            <a:ext uri="{909E8E84-426E-40DD-AFC4-6F175D3DCCD1}">
-              <a14:hiddenFill xmlns:a14="http://schemas.microsoft.com/office/drawing/2010/main">
-                <a:solidFill>
-                  <a:srgbClr val="FFFFFF"/>
-                </a:solidFill>
-              </a14:hiddenFill>
-            </a:ext>
-          </a:extLst>
-        </p:spPr>
-      </p:pic>
-      <p:grpSp>
-        <p:nvGrpSpPr>
-          <p:cNvPr id="16" name="グループ化 15"/>
-          <p:cNvGrpSpPr/>
-          <p:nvPr/>
-        </p:nvGrpSpPr>
-        <p:grpSpPr>
-          <a:xfrm>
-            <a:off x="1674687" y="1803744"/>
-            <a:ext cx="3376372" cy="1171349"/>
-            <a:chOff x="1674687" y="1803744"/>
-            <a:chExt cx="3376372" cy="1171349"/>
-          </a:xfrm>
-        </p:grpSpPr>
-        <p:sp>
-          <p:nvSpPr>
-            <p:cNvPr id="14" name="右矢印 13"/>
-            <p:cNvSpPr/>
-            <p:nvPr/>
-          </p:nvSpPr>
-          <p:spPr>
-            <a:xfrm rot="20908542">
               <a:off x="1674687" y="1803744"/>
               <a:ext cx="3376372" cy="1171349"/>
+              <a:chOff x="1674687" y="1803744"/>
+              <a:chExt cx="3376372" cy="1171349"/>
             </a:xfrm>
-            <a:prstGeom prst="rightArrow">
-              <a:avLst/>
-            </a:prstGeom>
-            <a:ln w="57150"/>
-          </p:spPr>
-          <p:style>
-            <a:lnRef idx="2">
-              <a:schemeClr val="dk1"/>
-            </a:lnRef>
-            <a:fillRef idx="1">
-              <a:schemeClr val="lt1"/>
-            </a:fillRef>
-            <a:effectRef idx="0">
-              <a:schemeClr val="dk1"/>
-            </a:effectRef>
-            <a:fontRef idx="minor">
-              <a:schemeClr val="dk1"/>
-            </a:fontRef>
-          </p:style>
-          <p:txBody>
-            <a:bodyPr rtlCol="0" anchor="ctr"/>
-            <a:lstStyle/>
-            <a:p>
-              <a:pPr algn="ctr"/>
-              <a:endParaRPr kumimoji="1" lang="ja-JP" altLang="en-US"/>
-            </a:p>
-          </p:txBody>
-        </p:sp>
-        <p:sp>
-          <p:nvSpPr>
-            <p:cNvPr id="15" name="テキスト ボックス 14"/>
-            <p:cNvSpPr txBox="1"/>
+          </p:grpSpPr>
+          <p:sp>
+            <p:nvSpPr>
+              <p:cNvPr id="14" name="右矢印 13"/>
+              <p:cNvSpPr/>
+              <p:nvPr/>
+            </p:nvSpPr>
+            <p:spPr>
+              <a:xfrm rot="20908542">
+                <a:off x="1674687" y="1803744"/>
+                <a:ext cx="3376372" cy="1171349"/>
+              </a:xfrm>
+              <a:prstGeom prst="rightArrow">
+                <a:avLst/>
+              </a:prstGeom>
+              <a:ln w="57150"/>
+            </p:spPr>
+            <p:style>
+              <a:lnRef idx="2">
+                <a:schemeClr val="dk1"/>
+              </a:lnRef>
+              <a:fillRef idx="1">
+                <a:schemeClr val="lt1"/>
+              </a:fillRef>
+              <a:effectRef idx="0">
+                <a:schemeClr val="dk1"/>
+              </a:effectRef>
+              <a:fontRef idx="minor">
+                <a:schemeClr val="dk1"/>
+              </a:fontRef>
+            </p:style>
+            <p:txBody>
+              <a:bodyPr rtlCol="0" anchor="ctr"/>
+              <a:lstStyle/>
+              <a:p>
+                <a:pPr algn="ctr"/>
+                <a:endParaRPr kumimoji="1" lang="ja-JP" altLang="en-US"/>
+              </a:p>
+            </p:txBody>
+          </p:sp>
+          <p:sp>
+            <p:nvSpPr>
+              <p:cNvPr id="15" name="テキスト ボックス 14"/>
+              <p:cNvSpPr txBox="1"/>
+              <p:nvPr/>
+            </p:nvSpPr>
+            <p:spPr>
+              <a:xfrm rot="20917296">
+                <a:off x="2258036" y="2136389"/>
+                <a:ext cx="1974892" cy="523220"/>
+              </a:xfrm>
+              <a:prstGeom prst="rect">
+                <a:avLst/>
+              </a:prstGeom>
+              <a:noFill/>
+            </p:spPr>
+            <p:txBody>
+              <a:bodyPr wrap="square" rtlCol="0">
+                <a:spAutoFit/>
+              </a:bodyPr>
+              <a:lstStyle/>
+              <a:p>
+                <a:r>
+                  <a:rPr kumimoji="1" lang="ja-JP" altLang="en-US" sz="2800" dirty="0" smtClean="0"/>
+                  <a:t>データ送信</a:t>
+                </a:r>
+                <a:endParaRPr kumimoji="1" lang="ja-JP" altLang="en-US" sz="2800" dirty="0"/>
+              </a:p>
+            </p:txBody>
+          </p:sp>
+        </p:grpSp>
+        <p:grpSp>
+          <p:nvGrpSpPr>
+            <p:cNvPr id="18" name="グループ化 17"/>
+            <p:cNvGrpSpPr/>
             <p:nvPr/>
-          </p:nvSpPr>
-          <p:spPr>
-            <a:xfrm rot="20917296">
-              <a:off x="2258036" y="2136389"/>
-              <a:ext cx="1974892" cy="523220"/>
+          </p:nvGrpSpPr>
+          <p:grpSpPr>
+            <a:xfrm rot="12149473">
+              <a:off x="6904991" y="1793717"/>
+              <a:ext cx="3376372" cy="1171349"/>
+              <a:chOff x="1674687" y="1803744"/>
+              <a:chExt cx="3376372" cy="1171349"/>
             </a:xfrm>
-            <a:prstGeom prst="rect">
-              <a:avLst/>
-            </a:prstGeom>
-            <a:noFill/>
-          </p:spPr>
-          <p:txBody>
-            <a:bodyPr wrap="square" rtlCol="0">
-              <a:spAutoFit/>
-            </a:bodyPr>
-            <a:lstStyle/>
-            <a:p>
-              <a:r>
-                <a:rPr kumimoji="1" lang="ja-JP" altLang="en-US" sz="2800" dirty="0" smtClean="0"/>
-                <a:t>データ送信</a:t>
-              </a:r>
-              <a:endParaRPr kumimoji="1" lang="ja-JP" altLang="en-US" sz="2800" dirty="0"/>
-            </a:p>
-          </p:txBody>
-        </p:sp>
-      </p:grpSp>
-      <p:grpSp>
-        <p:nvGrpSpPr>
-          <p:cNvPr id="18" name="グループ化 17"/>
-          <p:cNvGrpSpPr/>
-          <p:nvPr/>
-        </p:nvGrpSpPr>
-        <p:grpSpPr>
-          <a:xfrm rot="12149473">
-            <a:off x="6904991" y="1793717"/>
-            <a:ext cx="3376372" cy="1171349"/>
-            <a:chOff x="1674687" y="1803744"/>
-            <a:chExt cx="3376372" cy="1171349"/>
-          </a:xfrm>
-        </p:grpSpPr>
-        <p:sp>
-          <p:nvSpPr>
-            <p:cNvPr id="19" name="右矢印 18"/>
-            <p:cNvSpPr/>
-            <p:nvPr/>
-          </p:nvSpPr>
-          <p:spPr>
-            <a:xfrm rot="20908542">
-              <a:off x="1674687" y="1803744"/>
-              <a:ext cx="3376372" cy="1171349"/>
-            </a:xfrm>
-            <a:prstGeom prst="rightArrow">
-              <a:avLst/>
-            </a:prstGeom>
-            <a:ln w="57150"/>
-          </p:spPr>
-          <p:style>
-            <a:lnRef idx="2">
-              <a:schemeClr val="dk1"/>
-            </a:lnRef>
-            <a:fillRef idx="1">
-              <a:schemeClr val="lt1"/>
-            </a:fillRef>
-            <a:effectRef idx="0">
-              <a:schemeClr val="dk1"/>
-            </a:effectRef>
-            <a:fontRef idx="minor">
-              <a:schemeClr val="dk1"/>
-            </a:fontRef>
-          </p:style>
-          <p:txBody>
-            <a:bodyPr rtlCol="0" anchor="ctr"/>
-            <a:lstStyle/>
-            <a:p>
-              <a:pPr algn="ctr"/>
-              <a:endParaRPr kumimoji="1" lang="ja-JP" altLang="en-US"/>
-            </a:p>
-          </p:txBody>
-        </p:sp>
-        <p:sp>
-          <p:nvSpPr>
-            <p:cNvPr id="20" name="テキスト ボックス 19"/>
-            <p:cNvSpPr txBox="1"/>
-            <p:nvPr/>
-          </p:nvSpPr>
-          <p:spPr>
-            <a:xfrm rot="10122579">
-              <a:off x="2258036" y="2136388"/>
-              <a:ext cx="1974892" cy="523220"/>
-            </a:xfrm>
-            <a:prstGeom prst="rect">
-              <a:avLst/>
-            </a:prstGeom>
-            <a:noFill/>
-          </p:spPr>
-          <p:txBody>
-            <a:bodyPr wrap="square" rtlCol="0">
-              <a:spAutoFit/>
-            </a:bodyPr>
-            <a:lstStyle/>
-            <a:p>
-              <a:r>
-                <a:rPr kumimoji="1" lang="ja-JP" altLang="en-US" sz="2800" dirty="0" smtClean="0"/>
-                <a:t>データ送信</a:t>
-              </a:r>
-              <a:endParaRPr kumimoji="1" lang="ja-JP" altLang="en-US" sz="2800" dirty="0"/>
-            </a:p>
-          </p:txBody>
-        </p:sp>
+          </p:grpSpPr>
+          <p:sp>
+            <p:nvSpPr>
+              <p:cNvPr id="19" name="右矢印 18"/>
+              <p:cNvSpPr/>
+              <p:nvPr/>
+            </p:nvSpPr>
+            <p:spPr>
+              <a:xfrm rot="20908542">
+                <a:off x="1674687" y="1803744"/>
+                <a:ext cx="3376372" cy="1171349"/>
+              </a:xfrm>
+              <a:prstGeom prst="rightArrow">
+                <a:avLst/>
+              </a:prstGeom>
+              <a:ln w="57150"/>
+            </p:spPr>
+            <p:style>
+              <a:lnRef idx="2">
+                <a:schemeClr val="dk1"/>
+              </a:lnRef>
+              <a:fillRef idx="1">
+                <a:schemeClr val="lt1"/>
+              </a:fillRef>
+              <a:effectRef idx="0">
+                <a:schemeClr val="dk1"/>
+              </a:effectRef>
+              <a:fontRef idx="minor">
+                <a:schemeClr val="dk1"/>
+              </a:fontRef>
+            </p:style>
+            <p:txBody>
+              <a:bodyPr rtlCol="0" anchor="ctr"/>
+              <a:lstStyle/>
+              <a:p>
+                <a:pPr algn="ctr"/>
+                <a:endParaRPr kumimoji="1" lang="ja-JP" altLang="en-US"/>
+              </a:p>
+            </p:txBody>
+          </p:sp>
+          <p:sp>
+            <p:nvSpPr>
+              <p:cNvPr id="20" name="テキスト ボックス 19"/>
+              <p:cNvSpPr txBox="1"/>
+              <p:nvPr/>
+            </p:nvSpPr>
+            <p:spPr>
+              <a:xfrm rot="10122579">
+                <a:off x="2258036" y="2136388"/>
+                <a:ext cx="1974892" cy="523220"/>
+              </a:xfrm>
+              <a:prstGeom prst="rect">
+                <a:avLst/>
+              </a:prstGeom>
+              <a:noFill/>
+            </p:spPr>
+            <p:txBody>
+              <a:bodyPr wrap="square" rtlCol="0">
+                <a:spAutoFit/>
+              </a:bodyPr>
+              <a:lstStyle/>
+              <a:p>
+                <a:r>
+                  <a:rPr kumimoji="1" lang="ja-JP" altLang="en-US" sz="2800" dirty="0" smtClean="0"/>
+                  <a:t>データ送信</a:t>
+                </a:r>
+                <a:endParaRPr kumimoji="1" lang="ja-JP" altLang="en-US" sz="2800" dirty="0"/>
+              </a:p>
+            </p:txBody>
+          </p:sp>
+        </p:grpSp>
       </p:grpSp>
     </p:spTree>
     <p:extLst>

--- a/LplcSimulator/LplcSimulator/原稿/カメラ設置条件図.pptx
+++ b/LplcSimulator/LplcSimulator/原稿/カメラ設置条件図.pptx
@@ -243,7 +243,7 @@
           <a:p>
             <a:fld id="{2D27C6C9-4D87-42DA-8DC4-BE3B1EEA3836}" type="datetimeFigureOut">
               <a:rPr kumimoji="1" lang="ja-JP" altLang="en-US" smtClean="0"/>
-              <a:t>2019/1/9</a:t>
+              <a:t>2019/1/10</a:t>
             </a:fld>
             <a:endParaRPr kumimoji="1" lang="ja-JP" altLang="en-US"/>
           </a:p>
@@ -445,7 +445,7 @@
           <a:p>
             <a:fld id="{2D27C6C9-4D87-42DA-8DC4-BE3B1EEA3836}" type="datetimeFigureOut">
               <a:rPr kumimoji="1" lang="ja-JP" altLang="en-US" smtClean="0"/>
-              <a:t>2019/1/9</a:t>
+              <a:t>2019/1/10</a:t>
             </a:fld>
             <a:endParaRPr kumimoji="1" lang="ja-JP" altLang="en-US"/>
           </a:p>
@@ -657,7 +657,7 @@
           <a:p>
             <a:fld id="{2D27C6C9-4D87-42DA-8DC4-BE3B1EEA3836}" type="datetimeFigureOut">
               <a:rPr kumimoji="1" lang="ja-JP" altLang="en-US" smtClean="0"/>
-              <a:t>2019/1/9</a:t>
+              <a:t>2019/1/10</a:t>
             </a:fld>
             <a:endParaRPr kumimoji="1" lang="ja-JP" altLang="en-US"/>
           </a:p>
@@ -859,7 +859,7 @@
           <a:p>
             <a:fld id="{2D27C6C9-4D87-42DA-8DC4-BE3B1EEA3836}" type="datetimeFigureOut">
               <a:rPr kumimoji="1" lang="ja-JP" altLang="en-US" smtClean="0"/>
-              <a:t>2019/1/9</a:t>
+              <a:t>2019/1/10</a:t>
             </a:fld>
             <a:endParaRPr kumimoji="1" lang="ja-JP" altLang="en-US"/>
           </a:p>
@@ -1105,7 +1105,7 @@
           <a:p>
             <a:fld id="{2D27C6C9-4D87-42DA-8DC4-BE3B1EEA3836}" type="datetimeFigureOut">
               <a:rPr kumimoji="1" lang="ja-JP" altLang="en-US" smtClean="0"/>
-              <a:t>2019/1/9</a:t>
+              <a:t>2019/1/10</a:t>
             </a:fld>
             <a:endParaRPr kumimoji="1" lang="ja-JP" altLang="en-US"/>
           </a:p>
@@ -1401,7 +1401,7 @@
           <a:p>
             <a:fld id="{2D27C6C9-4D87-42DA-8DC4-BE3B1EEA3836}" type="datetimeFigureOut">
               <a:rPr kumimoji="1" lang="ja-JP" altLang="en-US" smtClean="0"/>
-              <a:t>2019/1/9</a:t>
+              <a:t>2019/1/10</a:t>
             </a:fld>
             <a:endParaRPr kumimoji="1" lang="ja-JP" altLang="en-US"/>
           </a:p>
@@ -1832,7 +1832,7 @@
           <a:p>
             <a:fld id="{2D27C6C9-4D87-42DA-8DC4-BE3B1EEA3836}" type="datetimeFigureOut">
               <a:rPr kumimoji="1" lang="ja-JP" altLang="en-US" smtClean="0"/>
-              <a:t>2019/1/9</a:t>
+              <a:t>2019/1/10</a:t>
             </a:fld>
             <a:endParaRPr kumimoji="1" lang="ja-JP" altLang="en-US"/>
           </a:p>
@@ -1950,7 +1950,7 @@
           <a:p>
             <a:fld id="{2D27C6C9-4D87-42DA-8DC4-BE3B1EEA3836}" type="datetimeFigureOut">
               <a:rPr kumimoji="1" lang="ja-JP" altLang="en-US" smtClean="0"/>
-              <a:t>2019/1/9</a:t>
+              <a:t>2019/1/10</a:t>
             </a:fld>
             <a:endParaRPr kumimoji="1" lang="ja-JP" altLang="en-US"/>
           </a:p>
@@ -2045,7 +2045,7 @@
           <a:p>
             <a:fld id="{2D27C6C9-4D87-42DA-8DC4-BE3B1EEA3836}" type="datetimeFigureOut">
               <a:rPr kumimoji="1" lang="ja-JP" altLang="en-US" smtClean="0"/>
-              <a:t>2019/1/9</a:t>
+              <a:t>2019/1/10</a:t>
             </a:fld>
             <a:endParaRPr kumimoji="1" lang="ja-JP" altLang="en-US"/>
           </a:p>
@@ -2354,7 +2354,7 @@
           <a:p>
             <a:fld id="{2D27C6C9-4D87-42DA-8DC4-BE3B1EEA3836}" type="datetimeFigureOut">
               <a:rPr kumimoji="1" lang="ja-JP" altLang="en-US" smtClean="0"/>
-              <a:t>2019/1/9</a:t>
+              <a:t>2019/1/10</a:t>
             </a:fld>
             <a:endParaRPr kumimoji="1" lang="ja-JP" altLang="en-US"/>
           </a:p>
@@ -2607,7 +2607,7 @@
           <a:p>
             <a:fld id="{2D27C6C9-4D87-42DA-8DC4-BE3B1EEA3836}" type="datetimeFigureOut">
               <a:rPr kumimoji="1" lang="ja-JP" altLang="en-US" smtClean="0"/>
-              <a:t>2019/1/9</a:t>
+              <a:t>2019/1/10</a:t>
             </a:fld>
             <a:endParaRPr kumimoji="1" lang="ja-JP" altLang="en-US"/>
           </a:p>
@@ -2852,7 +2852,7 @@
           <a:p>
             <a:fld id="{2D27C6C9-4D87-42DA-8DC4-BE3B1EEA3836}" type="datetimeFigureOut">
               <a:rPr kumimoji="1" lang="ja-JP" altLang="en-US" smtClean="0"/>
-              <a:t>2019/1/9</a:t>
+              <a:t>2019/1/10</a:t>
             </a:fld>
             <a:endParaRPr kumimoji="1" lang="ja-JP" altLang="en-US"/>
           </a:p>
@@ -3265,7 +3265,7 @@
         </p:nvGrpSpPr>
         <p:grpSpPr>
           <a:xfrm>
-            <a:off x="637276" y="1058579"/>
+            <a:off x="589979" y="751152"/>
             <a:ext cx="10686365" cy="5531406"/>
             <a:chOff x="637276" y="1058579"/>
             <a:chExt cx="10686365" cy="5531406"/>
@@ -3736,7 +3736,7 @@
               <p:nvPr/>
             </p:nvSpPr>
             <p:spPr>
-              <a:xfrm rot="20908542">
+              <a:xfrm rot="10133291">
                 <a:off x="1674687" y="1803744"/>
                 <a:ext cx="3376372" cy="1171349"/>
               </a:xfrm>
@@ -3776,8 +3776,8 @@
             </p:nvSpPr>
             <p:spPr>
               <a:xfrm rot="20917296">
-                <a:off x="2258036" y="2136389"/>
-                <a:ext cx="1974892" cy="523220"/>
+                <a:off x="2252492" y="2080748"/>
+                <a:ext cx="2538953" cy="523220"/>
               </a:xfrm>
               <a:prstGeom prst="rect">
                 <a:avLst/>
@@ -3792,7 +3792,7 @@
               <a:p>
                 <a:r>
                   <a:rPr kumimoji="1" lang="ja-JP" altLang="en-US" sz="2800" dirty="0" smtClean="0"/>
-                  <a:t>データ送信</a:t>
+                  <a:t>センシング命令</a:t>
                 </a:r>
                 <a:endParaRPr kumimoji="1" lang="ja-JP" altLang="en-US" sz="2800" dirty="0"/>
               </a:p>
@@ -3820,7 +3820,7 @@
               <p:nvPr/>
             </p:nvSpPr>
             <p:spPr>
-              <a:xfrm rot="20908542">
+              <a:xfrm rot="10102800">
                 <a:off x="1674687" y="1803744"/>
                 <a:ext cx="3376372" cy="1171349"/>
               </a:xfrm>
@@ -3860,8 +3860,8 @@
             </p:nvSpPr>
             <p:spPr>
               <a:xfrm rot="10122579">
-                <a:off x="2258036" y="2136388"/>
-                <a:ext cx="1974892" cy="523220"/>
+                <a:off x="2250702" y="2062191"/>
+                <a:ext cx="2732869" cy="523220"/>
               </a:xfrm>
               <a:prstGeom prst="rect">
                 <a:avLst/>
@@ -3876,7 +3876,7 @@
               <a:p>
                 <a:r>
                   <a:rPr kumimoji="1" lang="ja-JP" altLang="en-US" sz="2800" dirty="0" smtClean="0"/>
-                  <a:t>データ送信</a:t>
+                  <a:t>センシング命令</a:t>
                 </a:r>
                 <a:endParaRPr kumimoji="1" lang="ja-JP" altLang="en-US" sz="2800" dirty="0"/>
               </a:p>

--- a/LplcSimulator/LplcSimulator/原稿/カメラ設置条件図.pptx
+++ b/LplcSimulator/LplcSimulator/原稿/カメラ設置条件図.pptx
@@ -6,6 +6,7 @@
   </p:sldMasterIdLst>
   <p:sldIdLst>
     <p:sldId id="257" r:id="rId2"/>
+    <p:sldId id="258" r:id="rId3"/>
   </p:sldIdLst>
   <p:sldSz cx="12192000" cy="6858000"/>
   <p:notesSz cx="6858000" cy="9144000"/>
@@ -3259,225 +3260,445 @@
       </p:grpSpPr>
       <p:grpSp>
         <p:nvGrpSpPr>
-          <p:cNvPr id="17" name="グループ化 16"/>
+          <p:cNvPr id="32" name="グループ化 31"/>
           <p:cNvGrpSpPr/>
           <p:nvPr/>
         </p:nvGrpSpPr>
         <p:grpSpPr>
           <a:xfrm>
-            <a:off x="589979" y="751152"/>
-            <a:ext cx="10686365" cy="5531406"/>
-            <a:chOff x="637276" y="1058579"/>
-            <a:chExt cx="10686365" cy="5531406"/>
+            <a:off x="1084781" y="1103139"/>
+            <a:ext cx="10322608" cy="5244732"/>
+            <a:chOff x="1084781" y="1103139"/>
+            <a:chExt cx="10322608" cy="5244732"/>
           </a:xfrm>
         </p:grpSpPr>
         <p:grpSp>
           <p:nvGrpSpPr>
-            <p:cNvPr id="10" name="グループ化 9"/>
+            <p:cNvPr id="17" name="グループ化 16"/>
             <p:cNvGrpSpPr/>
             <p:nvPr/>
           </p:nvGrpSpPr>
           <p:grpSpPr>
             <a:xfrm>
-              <a:off x="637276" y="2522339"/>
-              <a:ext cx="10686365" cy="4067646"/>
-              <a:chOff x="723985" y="2191264"/>
-              <a:chExt cx="10686365" cy="4067646"/>
+              <a:off x="1084781" y="2398779"/>
+              <a:ext cx="10322608" cy="3949092"/>
+              <a:chOff x="949199" y="2640892"/>
+              <a:chExt cx="10322608" cy="3949092"/>
             </a:xfrm>
           </p:grpSpPr>
-          <p:sp>
-            <p:nvSpPr>
-              <p:cNvPr id="5" name="角丸四角形吹き出し 4"/>
-              <p:cNvSpPr/>
+          <p:grpSp>
+            <p:nvGrpSpPr>
+              <p:cNvPr id="10" name="グループ化 9"/>
+              <p:cNvGrpSpPr/>
               <p:nvPr/>
-            </p:nvSpPr>
-            <p:spPr>
+            </p:nvGrpSpPr>
+            <p:grpSpPr>
               <a:xfrm>
-                <a:off x="1491049" y="3496962"/>
-                <a:ext cx="4267200" cy="2586681"/>
+                <a:off x="949199" y="3438191"/>
+                <a:ext cx="10322608" cy="3151793"/>
+                <a:chOff x="1035908" y="3107116"/>
+                <a:chExt cx="10322608" cy="3151793"/>
               </a:xfrm>
-              <a:prstGeom prst="wedgeRoundRectCallout">
-                <a:avLst>
-                  <a:gd name="adj1" fmla="val -47667"/>
-                  <a:gd name="adj2" fmla="val -72213"/>
-                  <a:gd name="adj3" fmla="val 16667"/>
-                </a:avLst>
-              </a:prstGeom>
-              <a:ln w="57150"/>
-            </p:spPr>
-            <p:style>
-              <a:lnRef idx="2">
-                <a:schemeClr val="dk1"/>
-              </a:lnRef>
-              <a:fillRef idx="1">
-                <a:schemeClr val="lt1"/>
-              </a:fillRef>
-              <a:effectRef idx="0">
-                <a:schemeClr val="dk1"/>
-              </a:effectRef>
-              <a:fontRef idx="minor">
-                <a:schemeClr val="dk1"/>
-              </a:fontRef>
-            </p:style>
-            <p:txBody>
-              <a:bodyPr rtlCol="0" anchor="ctr"/>
-              <a:lstStyle/>
-              <a:p>
-                <a:pPr algn="ctr"/>
-                <a:endParaRPr kumimoji="1" lang="ja-JP" altLang="en-US"/>
-              </a:p>
-            </p:txBody>
-          </p:sp>
-          <p:sp>
-            <p:nvSpPr>
-              <p:cNvPr id="7" name="角丸四角形吹き出し 6"/>
-              <p:cNvSpPr/>
-              <p:nvPr/>
-            </p:nvSpPr>
-            <p:spPr>
-              <a:xfrm flipH="1">
-                <a:off x="6376086" y="3496962"/>
-                <a:ext cx="4267200" cy="2586681"/>
-              </a:xfrm>
-              <a:prstGeom prst="wedgeRoundRectCallout">
-                <a:avLst>
-                  <a:gd name="adj1" fmla="val -47667"/>
-                  <a:gd name="adj2" fmla="val -72213"/>
-                  <a:gd name="adj3" fmla="val 16667"/>
-                </a:avLst>
-              </a:prstGeom>
-              <a:ln w="57150"/>
-            </p:spPr>
-            <p:style>
-              <a:lnRef idx="2">
-                <a:schemeClr val="dk1"/>
-              </a:lnRef>
-              <a:fillRef idx="1">
-                <a:schemeClr val="lt1"/>
-              </a:fillRef>
-              <a:effectRef idx="0">
-                <a:schemeClr val="dk1"/>
-              </a:effectRef>
-              <a:fontRef idx="minor">
-                <a:schemeClr val="dk1"/>
-              </a:fontRef>
-            </p:style>
-            <p:txBody>
-              <a:bodyPr rtlCol="0" anchor="ctr"/>
-              <a:lstStyle/>
-              <a:p>
-                <a:pPr algn="ctr"/>
-                <a:endParaRPr kumimoji="1" lang="ja-JP" altLang="en-US"/>
-              </a:p>
-            </p:txBody>
-          </p:sp>
-          <p:sp>
-            <p:nvSpPr>
-              <p:cNvPr id="2" name="正方形/長方形 1"/>
-              <p:cNvSpPr/>
-              <p:nvPr/>
-            </p:nvSpPr>
-            <p:spPr>
-              <a:xfrm>
-                <a:off x="5758249" y="2191264"/>
-                <a:ext cx="617837" cy="4067646"/>
-              </a:xfrm>
-              <a:prstGeom prst="rect">
-                <a:avLst/>
-              </a:prstGeom>
-              <a:ln w="57150"/>
-            </p:spPr>
-            <p:style>
-              <a:lnRef idx="2">
-                <a:schemeClr val="dk1"/>
-              </a:lnRef>
-              <a:fillRef idx="1">
-                <a:schemeClr val="lt1"/>
-              </a:fillRef>
-              <a:effectRef idx="0">
-                <a:schemeClr val="dk1"/>
-              </a:effectRef>
-              <a:fontRef idx="minor">
-                <a:schemeClr val="dk1"/>
-              </a:fontRef>
-            </p:style>
-            <p:txBody>
-              <a:bodyPr vert="eaVert" rtlCol="0" anchor="ctr"/>
-              <a:lstStyle/>
-              <a:p>
-                <a:r>
-                  <a:rPr kumimoji="1" lang="ja-JP" altLang="en-US" dirty="0" smtClean="0"/>
-                  <a:t>　　　　　</a:t>
-                </a:r>
-                <a:r>
-                  <a:rPr kumimoji="1" lang="ja-JP" altLang="en-US" sz="2400" dirty="0" smtClean="0"/>
-                  <a:t>人流センサ</a:t>
-                </a:r>
-                <a:endParaRPr kumimoji="1" lang="ja-JP" altLang="en-US" sz="2400" dirty="0"/>
-              </a:p>
-            </p:txBody>
-          </p:sp>
-          <p:sp>
-            <p:nvSpPr>
-              <p:cNvPr id="3" name="左矢印 2"/>
-              <p:cNvSpPr/>
-              <p:nvPr/>
-            </p:nvSpPr>
-            <p:spPr>
-              <a:xfrm>
-                <a:off x="2986249" y="4430302"/>
-                <a:ext cx="2772000" cy="720000"/>
-              </a:xfrm>
-              <a:prstGeom prst="leftArrow">
-                <a:avLst/>
-              </a:prstGeom>
-              <a:ln w="57150"/>
-            </p:spPr>
-            <p:style>
-              <a:lnRef idx="2">
-                <a:schemeClr val="accent1"/>
-              </a:lnRef>
-              <a:fillRef idx="1">
-                <a:schemeClr val="lt1"/>
-              </a:fillRef>
-              <a:effectRef idx="0">
-                <a:schemeClr val="accent1"/>
-              </a:effectRef>
-              <a:fontRef idx="minor">
-                <a:schemeClr val="dk1"/>
-              </a:fontRef>
-            </p:style>
-            <p:txBody>
-              <a:bodyPr rtlCol="0" anchor="ctr"/>
-              <a:lstStyle/>
-              <a:p>
-                <a:pPr algn="ctr"/>
-                <a:r>
-                  <a:rPr lang="en-US" altLang="ja-JP" sz="2800" dirty="0"/>
-                  <a:t>i</a:t>
-                </a:r>
-                <a:r>
-                  <a:rPr kumimoji="1" lang="en-US" altLang="ja-JP" sz="2800" dirty="0" smtClean="0"/>
-                  <a:t>n</a:t>
-                </a:r>
-                <a:r>
-                  <a:rPr kumimoji="1" lang="ja-JP" altLang="en-US" sz="2800" dirty="0" smtClean="0"/>
-                  <a:t>データ</a:t>
-                </a:r>
-                <a:endParaRPr kumimoji="1" lang="ja-JP" altLang="en-US" sz="2800" dirty="0"/>
-              </a:p>
-            </p:txBody>
-          </p:sp>
+            </p:grpSpPr>
+            <p:sp>
+              <p:nvSpPr>
+                <p:cNvPr id="5" name="角丸四角形吹き出し 4"/>
+                <p:cNvSpPr/>
+                <p:nvPr/>
+              </p:nvSpPr>
+              <p:spPr>
+                <a:xfrm>
+                  <a:off x="1491049" y="4476680"/>
+                  <a:ext cx="4267200" cy="1653340"/>
+                </a:xfrm>
+                <a:prstGeom prst="wedgeRoundRectCallout">
+                  <a:avLst>
+                    <a:gd name="adj1" fmla="val -40932"/>
+                    <a:gd name="adj2" fmla="val -73003"/>
+                    <a:gd name="adj3" fmla="val 16667"/>
+                  </a:avLst>
+                </a:prstGeom>
+                <a:ln w="57150"/>
+              </p:spPr>
+              <p:style>
+                <a:lnRef idx="2">
+                  <a:schemeClr val="dk1"/>
+                </a:lnRef>
+                <a:fillRef idx="1">
+                  <a:schemeClr val="lt1"/>
+                </a:fillRef>
+                <a:effectRef idx="0">
+                  <a:schemeClr val="dk1"/>
+                </a:effectRef>
+                <a:fontRef idx="minor">
+                  <a:schemeClr val="dk1"/>
+                </a:fontRef>
+              </p:style>
+              <p:txBody>
+                <a:bodyPr rtlCol="0" anchor="ctr"/>
+                <a:lstStyle/>
+                <a:p>
+                  <a:pPr algn="ctr"/>
+                  <a:endParaRPr kumimoji="1" lang="ja-JP" altLang="en-US"/>
+                </a:p>
+              </p:txBody>
+            </p:sp>
+            <p:sp>
+              <p:nvSpPr>
+                <p:cNvPr id="7" name="角丸四角形吹き出し 6"/>
+                <p:cNvSpPr/>
+                <p:nvPr/>
+              </p:nvSpPr>
+              <p:spPr>
+                <a:xfrm flipH="1">
+                  <a:off x="6376086" y="4476680"/>
+                  <a:ext cx="4267200" cy="1653340"/>
+                </a:xfrm>
+                <a:prstGeom prst="wedgeRoundRectCallout">
+                  <a:avLst>
+                    <a:gd name="adj1" fmla="val -43381"/>
+                    <a:gd name="adj2" fmla="val -78534"/>
+                    <a:gd name="adj3" fmla="val 16667"/>
+                  </a:avLst>
+                </a:prstGeom>
+                <a:ln w="57150"/>
+              </p:spPr>
+              <p:style>
+                <a:lnRef idx="2">
+                  <a:schemeClr val="dk1"/>
+                </a:lnRef>
+                <a:fillRef idx="1">
+                  <a:schemeClr val="lt1"/>
+                </a:fillRef>
+                <a:effectRef idx="0">
+                  <a:schemeClr val="dk1"/>
+                </a:effectRef>
+                <a:fontRef idx="minor">
+                  <a:schemeClr val="dk1"/>
+                </a:fontRef>
+              </p:style>
+              <p:txBody>
+                <a:bodyPr rtlCol="0" anchor="ctr"/>
+                <a:lstStyle/>
+                <a:p>
+                  <a:pPr algn="ctr"/>
+                  <a:endParaRPr kumimoji="1" lang="ja-JP" altLang="en-US"/>
+                </a:p>
+              </p:txBody>
+            </p:sp>
+            <p:sp>
+              <p:nvSpPr>
+                <p:cNvPr id="2" name="正方形/長方形 1"/>
+                <p:cNvSpPr/>
+                <p:nvPr/>
+              </p:nvSpPr>
+              <p:spPr>
+                <a:xfrm>
+                  <a:off x="5758249" y="3215940"/>
+                  <a:ext cx="617837" cy="3042969"/>
+                </a:xfrm>
+                <a:prstGeom prst="rect">
+                  <a:avLst/>
+                </a:prstGeom>
+                <a:ln w="57150"/>
+              </p:spPr>
+              <p:style>
+                <a:lnRef idx="2">
+                  <a:schemeClr val="dk1"/>
+                </a:lnRef>
+                <a:fillRef idx="1">
+                  <a:schemeClr val="lt1"/>
+                </a:fillRef>
+                <a:effectRef idx="0">
+                  <a:schemeClr val="dk1"/>
+                </a:effectRef>
+                <a:fontRef idx="minor">
+                  <a:schemeClr val="dk1"/>
+                </a:fontRef>
+              </p:style>
+              <p:txBody>
+                <a:bodyPr vert="eaVert" rtlCol="0" anchor="ctr"/>
+                <a:lstStyle/>
+                <a:p>
+                  <a:r>
+                    <a:rPr kumimoji="1" lang="ja-JP" altLang="en-US" dirty="0" smtClean="0"/>
+                    <a:t>　　　　　</a:t>
+                  </a:r>
+                  <a:r>
+                    <a:rPr kumimoji="1" lang="ja-JP" altLang="en-US" sz="2400" dirty="0" smtClean="0"/>
+                    <a:t>人流センサ</a:t>
+                  </a:r>
+                  <a:endParaRPr kumimoji="1" lang="ja-JP" altLang="en-US" sz="2400" dirty="0"/>
+                </a:p>
+              </p:txBody>
+            </p:sp>
+            <p:sp>
+              <p:nvSpPr>
+                <p:cNvPr id="3" name="左矢印 2"/>
+                <p:cNvSpPr/>
+                <p:nvPr/>
+              </p:nvSpPr>
+              <p:spPr>
+                <a:xfrm>
+                  <a:off x="2986249" y="5269513"/>
+                  <a:ext cx="2772000" cy="720000"/>
+                </a:xfrm>
+                <a:prstGeom prst="leftArrow">
+                  <a:avLst/>
+                </a:prstGeom>
+                <a:ln w="57150"/>
+              </p:spPr>
+              <p:style>
+                <a:lnRef idx="2">
+                  <a:schemeClr val="accent1"/>
+                </a:lnRef>
+                <a:fillRef idx="1">
+                  <a:schemeClr val="lt1"/>
+                </a:fillRef>
+                <a:effectRef idx="0">
+                  <a:schemeClr val="accent1"/>
+                </a:effectRef>
+                <a:fontRef idx="minor">
+                  <a:schemeClr val="dk1"/>
+                </a:fontRef>
+              </p:style>
+              <p:txBody>
+                <a:bodyPr rtlCol="0" anchor="ctr"/>
+                <a:lstStyle/>
+                <a:p>
+                  <a:pPr algn="ctr"/>
+                  <a:r>
+                    <a:rPr lang="en-US" altLang="ja-JP" sz="2800" dirty="0"/>
+                    <a:t>i</a:t>
+                  </a:r>
+                  <a:r>
+                    <a:rPr kumimoji="1" lang="en-US" altLang="ja-JP" sz="2800" dirty="0" smtClean="0"/>
+                    <a:t>n</a:t>
+                  </a:r>
+                  <a:r>
+                    <a:rPr kumimoji="1" lang="ja-JP" altLang="en-US" sz="2800" dirty="0" smtClean="0"/>
+                    <a:t>データ</a:t>
+                  </a:r>
+                  <a:endParaRPr kumimoji="1" lang="ja-JP" altLang="en-US" sz="2800" dirty="0"/>
+                </a:p>
+              </p:txBody>
+            </p:sp>
+            <p:pic>
+              <p:nvPicPr>
+                <p:cNvPr id="1026" name="Picture 2" descr="ãã¼ã å½¢ã®é²ç¯ã«ã¡ã©ã®ã¤ã©ã¹ã"/>
+                <p:cNvPicPr>
+                  <a:picLocks noChangeAspect="1" noChangeArrowheads="1"/>
+                </p:cNvPicPr>
+                <p:nvPr/>
+              </p:nvPicPr>
+              <p:blipFill>
+                <a:blip r:embed="rId2" cstate="print">
+                  <a:extLst>
+                    <a:ext uri="{28A0092B-C50C-407E-A947-70E740481C1C}">
+                      <a14:useLocalDpi xmlns:a14="http://schemas.microsoft.com/office/drawing/2010/main" val="0"/>
+                    </a:ext>
+                  </a:extLst>
+                </a:blip>
+                <a:srcRect/>
+                <a:stretch>
+                  <a:fillRect/>
+                </a:stretch>
+              </p:blipFill>
+              <p:spPr bwMode="auto">
+                <a:xfrm>
+                  <a:off x="1035908" y="3149631"/>
+                  <a:ext cx="910281" cy="910281"/>
+                </a:xfrm>
+                <a:prstGeom prst="rect">
+                  <a:avLst/>
+                </a:prstGeom>
+                <a:noFill/>
+                <a:ln w="57150">
+                  <a:noFill/>
+                </a:ln>
+                <a:extLst>
+                  <a:ext uri="{909E8E84-426E-40DD-AFC4-6F175D3DCCD1}">
+                    <a14:hiddenFill xmlns:a14="http://schemas.microsoft.com/office/drawing/2010/main">
+                      <a:solidFill>
+                        <a:srgbClr val="FFFFFF"/>
+                      </a:solidFill>
+                    </a14:hiddenFill>
+                  </a:ext>
+                </a:extLst>
+              </p:spPr>
+            </p:pic>
+            <p:pic>
+              <p:nvPicPr>
+                <p:cNvPr id="8" name="Picture 2" descr="ãã¼ã å½¢ã®é²ç¯ã«ã¡ã©ã®ã¤ã©ã¹ã"/>
+                <p:cNvPicPr>
+                  <a:picLocks noChangeAspect="1" noChangeArrowheads="1"/>
+                </p:cNvPicPr>
+                <p:nvPr/>
+              </p:nvPicPr>
+              <p:blipFill>
+                <a:blip r:embed="rId2" cstate="print">
+                  <a:extLst>
+                    <a:ext uri="{28A0092B-C50C-407E-A947-70E740481C1C}">
+                      <a14:useLocalDpi xmlns:a14="http://schemas.microsoft.com/office/drawing/2010/main" val="0"/>
+                    </a:ext>
+                  </a:extLst>
+                </a:blip>
+                <a:srcRect/>
+                <a:stretch>
+                  <a:fillRect/>
+                </a:stretch>
+              </p:blipFill>
+              <p:spPr bwMode="auto">
+                <a:xfrm flipH="1">
+                  <a:off x="10448235" y="3107116"/>
+                  <a:ext cx="910281" cy="910281"/>
+                </a:xfrm>
+                <a:prstGeom prst="rect">
+                  <a:avLst/>
+                </a:prstGeom>
+                <a:noFill/>
+                <a:ln w="57150">
+                  <a:noFill/>
+                </a:ln>
+                <a:extLst>
+                  <a:ext uri="{909E8E84-426E-40DD-AFC4-6F175D3DCCD1}">
+                    <a14:hiddenFill xmlns:a14="http://schemas.microsoft.com/office/drawing/2010/main">
+                      <a:solidFill>
+                        <a:srgbClr val="FFFFFF"/>
+                      </a:solidFill>
+                    </a14:hiddenFill>
+                  </a:ext>
+                </a:extLst>
+              </p:spPr>
+            </p:pic>
+            <p:sp>
+              <p:nvSpPr>
+                <p:cNvPr id="6" name="右矢印 5"/>
+                <p:cNvSpPr/>
+                <p:nvPr/>
+              </p:nvSpPr>
+              <p:spPr>
+                <a:xfrm>
+                  <a:off x="6378002" y="5258112"/>
+                  <a:ext cx="2772000" cy="720000"/>
+                </a:xfrm>
+                <a:prstGeom prst="rightArrow">
+                  <a:avLst/>
+                </a:prstGeom>
+                <a:ln w="57150"/>
+              </p:spPr>
+              <p:style>
+                <a:lnRef idx="2">
+                  <a:schemeClr val="accent2"/>
+                </a:lnRef>
+                <a:fillRef idx="1">
+                  <a:schemeClr val="lt1"/>
+                </a:fillRef>
+                <a:effectRef idx="0">
+                  <a:schemeClr val="accent2"/>
+                </a:effectRef>
+                <a:fontRef idx="minor">
+                  <a:schemeClr val="dk1"/>
+                </a:fontRef>
+              </p:style>
+              <p:txBody>
+                <a:bodyPr rtlCol="0" anchor="ctr"/>
+                <a:lstStyle/>
+                <a:p>
+                  <a:pPr algn="ctr"/>
+                  <a:r>
+                    <a:rPr lang="en-US" altLang="ja-JP" sz="2800" dirty="0"/>
+                    <a:t>o</a:t>
+                  </a:r>
+                  <a:r>
+                    <a:rPr kumimoji="1" lang="en-US" altLang="ja-JP" sz="2800" dirty="0" smtClean="0"/>
+                    <a:t>ut</a:t>
+                  </a:r>
+                  <a:r>
+                    <a:rPr kumimoji="1" lang="ja-JP" altLang="en-US" sz="2800" dirty="0" smtClean="0"/>
+                    <a:t>データ</a:t>
+                  </a:r>
+                  <a:endParaRPr kumimoji="1" lang="ja-JP" altLang="en-US" sz="2800" dirty="0"/>
+                </a:p>
+              </p:txBody>
+            </p:sp>
+            <p:sp>
+              <p:nvSpPr>
+                <p:cNvPr id="9" name="テキスト ボックス 8"/>
+                <p:cNvSpPr txBox="1"/>
+                <p:nvPr/>
+              </p:nvSpPr>
+              <p:spPr>
+                <a:xfrm>
+                  <a:off x="1789386" y="4605786"/>
+                  <a:ext cx="2473663" cy="523220"/>
+                </a:xfrm>
+                <a:prstGeom prst="rect">
+                  <a:avLst/>
+                </a:prstGeom>
+                <a:noFill/>
+                <a:ln w="57150">
+                  <a:noFill/>
+                </a:ln>
+              </p:spPr>
+              <p:txBody>
+                <a:bodyPr wrap="square" rtlCol="0">
+                  <a:spAutoFit/>
+                </a:bodyPr>
+                <a:lstStyle/>
+                <a:p>
+                  <a:r>
+                    <a:rPr kumimoji="1" lang="ja-JP" altLang="en-US" sz="2800" dirty="0" smtClean="0"/>
+                    <a:t>カメラ有効範囲</a:t>
+                  </a:r>
+                  <a:endParaRPr kumimoji="1" lang="ja-JP" altLang="en-US" sz="2800" dirty="0"/>
+                </a:p>
+              </p:txBody>
+            </p:sp>
+            <p:sp>
+              <p:nvSpPr>
+                <p:cNvPr id="11" name="テキスト ボックス 10"/>
+                <p:cNvSpPr txBox="1"/>
+                <p:nvPr/>
+              </p:nvSpPr>
+              <p:spPr>
+                <a:xfrm>
+                  <a:off x="7871286" y="4605786"/>
+                  <a:ext cx="2628784" cy="523220"/>
+                </a:xfrm>
+                <a:prstGeom prst="rect">
+                  <a:avLst/>
+                </a:prstGeom>
+                <a:noFill/>
+                <a:ln w="57150">
+                  <a:noFill/>
+                </a:ln>
+              </p:spPr>
+              <p:txBody>
+                <a:bodyPr wrap="square" rtlCol="0">
+                  <a:spAutoFit/>
+                </a:bodyPr>
+                <a:lstStyle/>
+                <a:p>
+                  <a:r>
+                    <a:rPr kumimoji="1" lang="ja-JP" altLang="en-US" sz="2800" dirty="0" smtClean="0"/>
+                    <a:t>カメラ有効範囲</a:t>
+                  </a:r>
+                  <a:endParaRPr kumimoji="1" lang="ja-JP" altLang="en-US" sz="2800" dirty="0"/>
+                </a:p>
+              </p:txBody>
+            </p:sp>
+          </p:grpSp>
           <p:pic>
             <p:nvPicPr>
-              <p:cNvPr id="1026" name="Picture 2" descr="ãã¼ã å½¢ã®é²ç¯ã«ã¡ã©ã®ã¤ã©ã¹ã"/>
+              <p:cNvPr id="4" name="Picture 2" descr="Wi-Fi無線ルーターのイラスト"/>
               <p:cNvPicPr>
                 <a:picLocks noChangeAspect="1" noChangeArrowheads="1"/>
               </p:cNvPicPr>
               <p:nvPr/>
             </p:nvPicPr>
             <p:blipFill>
-              <a:blip r:embed="rId2" cstate="print">
+              <a:blip r:embed="rId3">
                 <a:extLst>
                   <a:ext uri="{28A0092B-C50C-407E-A947-70E740481C1C}">
                     <a14:useLocalDpi xmlns:a14="http://schemas.microsoft.com/office/drawing/2010/main" val="0"/>
@@ -3491,16 +3712,13 @@
             </p:blipFill>
             <p:spPr bwMode="auto">
               <a:xfrm>
-                <a:off x="723985" y="2191264"/>
-                <a:ext cx="910281" cy="910281"/>
+                <a:off x="5354828" y="2640892"/>
+                <a:ext cx="1432509" cy="1432509"/>
               </a:xfrm>
               <a:prstGeom prst="rect">
                 <a:avLst/>
               </a:prstGeom>
               <a:noFill/>
-              <a:ln w="57150">
-                <a:noFill/>
-              </a:ln>
               <a:extLst>
                 <a:ext uri="{909E8E84-426E-40DD-AFC4-6F175D3DCCD1}">
                   <a14:hiddenFill xmlns:a14="http://schemas.microsoft.com/office/drawing/2010/main">
@@ -3512,178 +3730,107 @@
               </a:extLst>
             </p:spPr>
           </p:pic>
-          <p:pic>
-            <p:nvPicPr>
-              <p:cNvPr id="8" name="Picture 2" descr="ãã¼ã å½¢ã®é²ç¯ã«ã¡ã©ã®ã¤ã©ã¹ã"/>
-              <p:cNvPicPr>
-                <a:picLocks noChangeAspect="1" noChangeArrowheads="1"/>
-              </p:cNvPicPr>
-              <p:nvPr/>
-            </p:nvPicPr>
-            <p:blipFill>
-              <a:blip r:embed="rId2" cstate="print">
-                <a:extLst>
-                  <a:ext uri="{28A0092B-C50C-407E-A947-70E740481C1C}">
-                    <a14:useLocalDpi xmlns:a14="http://schemas.microsoft.com/office/drawing/2010/main" val="0"/>
-                  </a:ext>
-                </a:extLst>
-              </a:blip>
-              <a:srcRect/>
-              <a:stretch>
-                <a:fillRect/>
-              </a:stretch>
-            </p:blipFill>
-            <p:spPr bwMode="auto">
-              <a:xfrm flipH="1">
-                <a:off x="10500069" y="2191264"/>
-                <a:ext cx="910281" cy="910281"/>
-              </a:xfrm>
-              <a:prstGeom prst="rect">
-                <a:avLst/>
-              </a:prstGeom>
-              <a:noFill/>
-              <a:ln w="57150">
-                <a:noFill/>
-              </a:ln>
-              <a:extLst>
-                <a:ext uri="{909E8E84-426E-40DD-AFC4-6F175D3DCCD1}">
-                  <a14:hiddenFill xmlns:a14="http://schemas.microsoft.com/office/drawing/2010/main">
-                    <a:solidFill>
-                      <a:srgbClr val="FFFFFF"/>
-                    </a:solidFill>
-                  </a14:hiddenFill>
-                </a:ext>
-              </a:extLst>
-            </p:spPr>
-          </p:pic>
-          <p:sp>
-            <p:nvSpPr>
-              <p:cNvPr id="6" name="右矢印 5"/>
-              <p:cNvSpPr/>
-              <p:nvPr/>
-            </p:nvSpPr>
-            <p:spPr>
-              <a:xfrm>
-                <a:off x="6376086" y="4430302"/>
-                <a:ext cx="2772000" cy="720000"/>
-              </a:xfrm>
-              <a:prstGeom prst="rightArrow">
-                <a:avLst/>
-              </a:prstGeom>
-              <a:ln w="57150"/>
-            </p:spPr>
-            <p:style>
-              <a:lnRef idx="2">
-                <a:schemeClr val="accent2"/>
-              </a:lnRef>
-              <a:fillRef idx="1">
-                <a:schemeClr val="lt1"/>
-              </a:fillRef>
-              <a:effectRef idx="0">
-                <a:schemeClr val="accent2"/>
-              </a:effectRef>
-              <a:fontRef idx="minor">
-                <a:schemeClr val="dk1"/>
-              </a:fontRef>
-            </p:style>
-            <p:txBody>
-              <a:bodyPr rtlCol="0" anchor="ctr"/>
-              <a:lstStyle/>
-              <a:p>
-                <a:pPr algn="ctr"/>
-                <a:r>
-                  <a:rPr lang="en-US" altLang="ja-JP" sz="2800" dirty="0"/>
-                  <a:t>o</a:t>
-                </a:r>
-                <a:r>
-                  <a:rPr kumimoji="1" lang="en-US" altLang="ja-JP" sz="2800" dirty="0" smtClean="0"/>
-                  <a:t>ut</a:t>
-                </a:r>
-                <a:r>
-                  <a:rPr kumimoji="1" lang="ja-JP" altLang="en-US" sz="2800" dirty="0" smtClean="0"/>
-                  <a:t>データ</a:t>
-                </a:r>
-                <a:endParaRPr kumimoji="1" lang="ja-JP" altLang="en-US" sz="2800" dirty="0"/>
-              </a:p>
-            </p:txBody>
-          </p:sp>
-          <p:sp>
-            <p:nvSpPr>
-              <p:cNvPr id="9" name="テキスト ボックス 8"/>
-              <p:cNvSpPr txBox="1"/>
-              <p:nvPr/>
-            </p:nvSpPr>
-            <p:spPr>
-              <a:xfrm>
-                <a:off x="1789386" y="3626069"/>
-                <a:ext cx="2473663" cy="523220"/>
-              </a:xfrm>
-              <a:prstGeom prst="rect">
-                <a:avLst/>
-              </a:prstGeom>
-              <a:noFill/>
-              <a:ln w="57150">
-                <a:noFill/>
-              </a:ln>
-            </p:spPr>
-            <p:txBody>
-              <a:bodyPr wrap="square" rtlCol="0">
-                <a:spAutoFit/>
-              </a:bodyPr>
-              <a:lstStyle/>
-              <a:p>
-                <a:r>
-                  <a:rPr kumimoji="1" lang="ja-JP" altLang="en-US" sz="2800" dirty="0" smtClean="0"/>
-                  <a:t>カメラ有効範囲</a:t>
-                </a:r>
-                <a:endParaRPr kumimoji="1" lang="ja-JP" altLang="en-US" sz="2800" dirty="0"/>
-              </a:p>
-            </p:txBody>
-          </p:sp>
-          <p:sp>
-            <p:nvSpPr>
-              <p:cNvPr id="11" name="テキスト ボックス 10"/>
-              <p:cNvSpPr txBox="1"/>
-              <p:nvPr/>
-            </p:nvSpPr>
-            <p:spPr>
-              <a:xfrm>
-                <a:off x="7871286" y="3626069"/>
-                <a:ext cx="2628784" cy="523220"/>
-              </a:xfrm>
-              <a:prstGeom prst="rect">
-                <a:avLst/>
-              </a:prstGeom>
-              <a:noFill/>
-              <a:ln w="57150">
-                <a:noFill/>
-              </a:ln>
-            </p:spPr>
-            <p:txBody>
-              <a:bodyPr wrap="square" rtlCol="0">
-                <a:spAutoFit/>
-              </a:bodyPr>
-              <a:lstStyle/>
-              <a:p>
-                <a:r>
-                  <a:rPr kumimoji="1" lang="ja-JP" altLang="en-US" sz="2800" dirty="0" smtClean="0"/>
-                  <a:t>カメラ有効範囲</a:t>
-                </a:r>
-                <a:endParaRPr kumimoji="1" lang="ja-JP" altLang="en-US" sz="2800" dirty="0"/>
-              </a:p>
-            </p:txBody>
-          </p:sp>
         </p:grpSp>
+        <p:sp>
+          <p:nvSpPr>
+            <p:cNvPr id="12" name="テキスト ボックス 11"/>
+            <p:cNvSpPr txBox="1"/>
+            <p:nvPr/>
+          </p:nvSpPr>
+          <p:spPr>
+            <a:xfrm>
+              <a:off x="2006884" y="3543365"/>
+              <a:ext cx="1080028" cy="461665"/>
+            </a:xfrm>
+            <a:prstGeom prst="rect">
+              <a:avLst/>
+            </a:prstGeom>
+            <a:noFill/>
+          </p:spPr>
+          <p:txBody>
+            <a:bodyPr wrap="square" rtlCol="0">
+              <a:spAutoFit/>
+            </a:bodyPr>
+            <a:lstStyle/>
+            <a:p>
+              <a:r>
+                <a:rPr kumimoji="1" lang="ja-JP" altLang="en-US" sz="2400" dirty="0" smtClean="0"/>
+                <a:t>カメラ</a:t>
+              </a:r>
+              <a:endParaRPr kumimoji="1" lang="ja-JP" altLang="en-US" sz="2400" dirty="0"/>
+            </a:p>
+          </p:txBody>
+        </p:sp>
+        <p:sp>
+          <p:nvSpPr>
+            <p:cNvPr id="21" name="テキスト ボックス 20"/>
+            <p:cNvSpPr txBox="1"/>
+            <p:nvPr/>
+          </p:nvSpPr>
+          <p:spPr>
+            <a:xfrm>
+              <a:off x="9694919" y="3655567"/>
+              <a:ext cx="1080028" cy="461665"/>
+            </a:xfrm>
+            <a:prstGeom prst="rect">
+              <a:avLst/>
+            </a:prstGeom>
+            <a:noFill/>
+          </p:spPr>
+          <p:txBody>
+            <a:bodyPr wrap="square" rtlCol="0">
+              <a:spAutoFit/>
+            </a:bodyPr>
+            <a:lstStyle/>
+            <a:p>
+              <a:r>
+                <a:rPr kumimoji="1" lang="ja-JP" altLang="en-US" sz="2400" dirty="0" smtClean="0"/>
+                <a:t>カメラ</a:t>
+              </a:r>
+              <a:endParaRPr kumimoji="1" lang="ja-JP" altLang="en-US" sz="2400" dirty="0"/>
+            </a:p>
+          </p:txBody>
+        </p:sp>
+        <p:sp>
+          <p:nvSpPr>
+            <p:cNvPr id="22" name="テキスト ボックス 21"/>
+            <p:cNvSpPr txBox="1"/>
+            <p:nvPr/>
+          </p:nvSpPr>
+          <p:spPr>
+            <a:xfrm>
+              <a:off x="6619047" y="3693733"/>
+              <a:ext cx="1080028" cy="461665"/>
+            </a:xfrm>
+            <a:prstGeom prst="rect">
+              <a:avLst/>
+            </a:prstGeom>
+            <a:noFill/>
+          </p:spPr>
+          <p:txBody>
+            <a:bodyPr wrap="square" rtlCol="0">
+              <a:spAutoFit/>
+            </a:bodyPr>
+            <a:lstStyle/>
+            <a:p>
+              <a:r>
+                <a:rPr kumimoji="1" lang="ja-JP" altLang="en-US" sz="2400" dirty="0" smtClean="0"/>
+                <a:t>ルータ</a:t>
+              </a:r>
+              <a:endParaRPr kumimoji="1" lang="ja-JP" altLang="en-US" sz="2400" dirty="0"/>
+            </a:p>
+          </p:txBody>
+        </p:sp>
         <p:pic>
           <p:nvPicPr>
-            <p:cNvPr id="4" name="Picture 2" descr="Wi-Fi無線ルーターのイラスト"/>
+            <p:cNvPr id="1032" name="Picture 8" descr="立ってスマホを使う人のイラスト（男子学生・笑顔）"/>
             <p:cNvPicPr>
               <a:picLocks noChangeAspect="1" noChangeArrowheads="1"/>
             </p:cNvPicPr>
             <p:nvPr/>
           </p:nvPicPr>
           <p:blipFill>
-            <a:blip r:embed="rId3">
+            <a:blip r:embed="rId4" cstate="print">
               <a:extLst>
                 <a:ext uri="{28A0092B-C50C-407E-A947-70E740481C1C}">
                   <a14:useLocalDpi xmlns:a14="http://schemas.microsoft.com/office/drawing/2010/main" val="0"/>
@@ -3697,8 +3844,8 @@
           </p:blipFill>
           <p:spPr bwMode="auto">
             <a:xfrm>
-              <a:off x="5123208" y="1058579"/>
-              <a:ext cx="1714500" cy="1714500"/>
+              <a:off x="8856334" y="1194977"/>
+              <a:ext cx="1285875" cy="1836964"/>
             </a:xfrm>
             <a:prstGeom prst="rect">
               <a:avLst/>
@@ -3715,179 +3862,439 @@
             </a:extLst>
           </p:spPr>
         </p:pic>
-        <p:grpSp>
-          <p:nvGrpSpPr>
-            <p:cNvPr id="16" name="グループ化 15"/>
-            <p:cNvGrpSpPr/>
+        <p:sp>
+          <p:nvSpPr>
+            <p:cNvPr id="24" name="右矢印 23"/>
+            <p:cNvSpPr/>
             <p:nvPr/>
-          </p:nvGrpSpPr>
-          <p:grpSpPr>
+          </p:nvSpPr>
+          <p:spPr>
             <a:xfrm>
-              <a:off x="1674687" y="1803744"/>
-              <a:ext cx="3376372" cy="1171349"/>
-              <a:chOff x="1674687" y="1803744"/>
-              <a:chExt cx="3376372" cy="1171349"/>
+              <a:off x="2313830" y="2961786"/>
+              <a:ext cx="2880000" cy="773811"/>
             </a:xfrm>
-          </p:grpSpPr>
-          <p:sp>
-            <p:nvSpPr>
-              <p:cNvPr id="14" name="右矢印 13"/>
-              <p:cNvSpPr/>
-              <p:nvPr/>
-            </p:nvSpPr>
-            <p:spPr>
-              <a:xfrm rot="10133291">
-                <a:off x="1674687" y="1803744"/>
-                <a:ext cx="3376372" cy="1171349"/>
-              </a:xfrm>
-              <a:prstGeom prst="rightArrow">
-                <a:avLst/>
-              </a:prstGeom>
-              <a:ln w="57150"/>
-            </p:spPr>
-            <p:style>
-              <a:lnRef idx="2">
-                <a:schemeClr val="dk1"/>
-              </a:lnRef>
-              <a:fillRef idx="1">
-                <a:schemeClr val="lt1"/>
-              </a:fillRef>
-              <a:effectRef idx="0">
-                <a:schemeClr val="dk1"/>
-              </a:effectRef>
-              <a:fontRef idx="minor">
-                <a:schemeClr val="dk1"/>
-              </a:fontRef>
-            </p:style>
-            <p:txBody>
-              <a:bodyPr rtlCol="0" anchor="ctr"/>
-              <a:lstStyle/>
-              <a:p>
-                <a:pPr algn="ctr"/>
-                <a:endParaRPr kumimoji="1" lang="ja-JP" altLang="en-US"/>
-              </a:p>
-            </p:txBody>
-          </p:sp>
-          <p:sp>
-            <p:nvSpPr>
-              <p:cNvPr id="15" name="テキスト ボックス 14"/>
-              <p:cNvSpPr txBox="1"/>
-              <p:nvPr/>
-            </p:nvSpPr>
-            <p:spPr>
-              <a:xfrm rot="20917296">
-                <a:off x="2252492" y="2080748"/>
-                <a:ext cx="2538953" cy="523220"/>
-              </a:xfrm>
-              <a:prstGeom prst="rect">
-                <a:avLst/>
-              </a:prstGeom>
-              <a:noFill/>
-            </p:spPr>
-            <p:txBody>
-              <a:bodyPr wrap="square" rtlCol="0">
-                <a:spAutoFit/>
-              </a:bodyPr>
-              <a:lstStyle/>
-              <a:p>
-                <a:r>
-                  <a:rPr kumimoji="1" lang="ja-JP" altLang="en-US" sz="2800" dirty="0" smtClean="0"/>
-                  <a:t>センシング命令</a:t>
-                </a:r>
-                <a:endParaRPr kumimoji="1" lang="ja-JP" altLang="en-US" sz="2800" dirty="0"/>
-              </a:p>
-            </p:txBody>
-          </p:sp>
-        </p:grpSp>
-        <p:grpSp>
-          <p:nvGrpSpPr>
-            <p:cNvPr id="18" name="グループ化 17"/>
-            <p:cNvGrpSpPr/>
+            <a:prstGeom prst="rightArrow">
+              <a:avLst/>
+            </a:prstGeom>
+            <a:ln w="38100">
+              <a:solidFill>
+                <a:schemeClr val="accent6"/>
+              </a:solidFill>
+            </a:ln>
+          </p:spPr>
+          <p:style>
+            <a:lnRef idx="2">
+              <a:schemeClr val="dk1"/>
+            </a:lnRef>
+            <a:fillRef idx="1">
+              <a:schemeClr val="lt1"/>
+            </a:fillRef>
+            <a:effectRef idx="0">
+              <a:schemeClr val="dk1"/>
+            </a:effectRef>
+            <a:fontRef idx="minor">
+              <a:schemeClr val="dk1"/>
+            </a:fontRef>
+          </p:style>
+          <p:txBody>
+            <a:bodyPr rtlCol="0" anchor="ctr"/>
+            <a:lstStyle/>
+            <a:p>
+              <a:pPr algn="ctr"/>
+              <a:r>
+                <a:rPr kumimoji="1" lang="ja-JP" altLang="en-US" sz="2400" dirty="0" smtClean="0"/>
+                <a:t>データ送信</a:t>
+              </a:r>
+              <a:endParaRPr kumimoji="1" lang="ja-JP" altLang="en-US" sz="2400" dirty="0"/>
+            </a:p>
+          </p:txBody>
+        </p:sp>
+        <p:sp>
+          <p:nvSpPr>
+            <p:cNvPr id="25" name="左矢印 24"/>
+            <p:cNvSpPr/>
             <p:nvPr/>
-          </p:nvGrpSpPr>
-          <p:grpSpPr>
-            <a:xfrm rot="12149473">
-              <a:off x="6904991" y="1793717"/>
-              <a:ext cx="3376372" cy="1171349"/>
-              <a:chOff x="1674687" y="1803744"/>
-              <a:chExt cx="3376372" cy="1171349"/>
+          </p:nvSpPr>
+          <p:spPr>
+            <a:xfrm>
+              <a:off x="7219499" y="2962826"/>
+              <a:ext cx="2880000" cy="773811"/>
             </a:xfrm>
-          </p:grpSpPr>
-          <p:sp>
-            <p:nvSpPr>
-              <p:cNvPr id="19" name="右矢印 18"/>
-              <p:cNvSpPr/>
-              <p:nvPr/>
-            </p:nvSpPr>
-            <p:spPr>
-              <a:xfrm rot="10102800">
-                <a:off x="1674687" y="1803744"/>
-                <a:ext cx="3376372" cy="1171349"/>
-              </a:xfrm>
-              <a:prstGeom prst="rightArrow">
-                <a:avLst/>
-              </a:prstGeom>
-              <a:ln w="57150"/>
-            </p:spPr>
-            <p:style>
-              <a:lnRef idx="2">
-                <a:schemeClr val="dk1"/>
-              </a:lnRef>
-              <a:fillRef idx="1">
-                <a:schemeClr val="lt1"/>
-              </a:fillRef>
-              <a:effectRef idx="0">
-                <a:schemeClr val="dk1"/>
-              </a:effectRef>
-              <a:fontRef idx="minor">
-                <a:schemeClr val="dk1"/>
-              </a:fontRef>
-            </p:style>
-            <p:txBody>
-              <a:bodyPr rtlCol="0" anchor="ctr"/>
-              <a:lstStyle/>
-              <a:p>
-                <a:pPr algn="ctr"/>
-                <a:endParaRPr kumimoji="1" lang="ja-JP" altLang="en-US"/>
-              </a:p>
-            </p:txBody>
-          </p:sp>
-          <p:sp>
-            <p:nvSpPr>
-              <p:cNvPr id="20" name="テキスト ボックス 19"/>
-              <p:cNvSpPr txBox="1"/>
-              <p:nvPr/>
-            </p:nvSpPr>
-            <p:spPr>
-              <a:xfrm rot="10122579">
-                <a:off x="2250702" y="2062191"/>
-                <a:ext cx="2732869" cy="523220"/>
-              </a:xfrm>
-              <a:prstGeom prst="rect">
-                <a:avLst/>
-              </a:prstGeom>
-              <a:noFill/>
-            </p:spPr>
-            <p:txBody>
-              <a:bodyPr wrap="square" rtlCol="0">
-                <a:spAutoFit/>
-              </a:bodyPr>
-              <a:lstStyle/>
-              <a:p>
-                <a:r>
-                  <a:rPr kumimoji="1" lang="ja-JP" altLang="en-US" sz="2800" dirty="0" smtClean="0"/>
-                  <a:t>センシング命令</a:t>
-                </a:r>
-                <a:endParaRPr kumimoji="1" lang="ja-JP" altLang="en-US" sz="2800" dirty="0"/>
-              </a:p>
-            </p:txBody>
-          </p:sp>
-        </p:grpSp>
+            <a:prstGeom prst="leftArrow">
+              <a:avLst/>
+            </a:prstGeom>
+            <a:ln w="38100">
+              <a:solidFill>
+                <a:schemeClr val="accent6"/>
+              </a:solidFill>
+            </a:ln>
+          </p:spPr>
+          <p:style>
+            <a:lnRef idx="2">
+              <a:schemeClr val="dk1"/>
+            </a:lnRef>
+            <a:fillRef idx="1">
+              <a:schemeClr val="lt1"/>
+            </a:fillRef>
+            <a:effectRef idx="0">
+              <a:schemeClr val="dk1"/>
+            </a:effectRef>
+            <a:fontRef idx="minor">
+              <a:schemeClr val="dk1"/>
+            </a:fontRef>
+          </p:style>
+          <p:txBody>
+            <a:bodyPr rtlCol="0" anchor="ctr"/>
+            <a:lstStyle/>
+            <a:p>
+              <a:pPr algn="ctr"/>
+              <a:r>
+                <a:rPr kumimoji="1" lang="ja-JP" altLang="en-US" sz="2400" dirty="0" smtClean="0"/>
+                <a:t>データ送信</a:t>
+              </a:r>
+              <a:endParaRPr kumimoji="1" lang="ja-JP" altLang="en-US" sz="2400" dirty="0"/>
+            </a:p>
+          </p:txBody>
+        </p:sp>
+        <p:sp>
+          <p:nvSpPr>
+            <p:cNvPr id="28" name="曲折矢印 27"/>
+            <p:cNvSpPr/>
+            <p:nvPr/>
+          </p:nvSpPr>
+          <p:spPr>
+            <a:xfrm>
+              <a:off x="5895099" y="1103139"/>
+              <a:ext cx="3097352" cy="1493589"/>
+            </a:xfrm>
+            <a:prstGeom prst="bentArrow">
+              <a:avLst/>
+            </a:prstGeom>
+            <a:ln w="38100">
+              <a:solidFill>
+                <a:schemeClr val="accent6"/>
+              </a:solidFill>
+            </a:ln>
+          </p:spPr>
+          <p:style>
+            <a:lnRef idx="2">
+              <a:schemeClr val="dk1"/>
+            </a:lnRef>
+            <a:fillRef idx="1">
+              <a:schemeClr val="lt1"/>
+            </a:fillRef>
+            <a:effectRef idx="0">
+              <a:schemeClr val="dk1"/>
+            </a:effectRef>
+            <a:fontRef idx="minor">
+              <a:schemeClr val="dk1"/>
+            </a:fontRef>
+          </p:style>
+          <p:txBody>
+            <a:bodyPr rtlCol="0" anchor="ctr"/>
+            <a:lstStyle/>
+            <a:p>
+              <a:pPr algn="ctr"/>
+              <a:endParaRPr kumimoji="1" lang="ja-JP" altLang="en-US" dirty="0">
+                <a:solidFill>
+                  <a:schemeClr val="tx1"/>
+                </a:solidFill>
+              </a:endParaRPr>
+            </a:p>
+          </p:txBody>
+        </p:sp>
+        <p:sp>
+          <p:nvSpPr>
+            <p:cNvPr id="30" name="テキスト ボックス 29"/>
+            <p:cNvSpPr txBox="1"/>
+            <p:nvPr/>
+          </p:nvSpPr>
+          <p:spPr>
+            <a:xfrm>
+              <a:off x="6728160" y="1255846"/>
+              <a:ext cx="1652518" cy="461665"/>
+            </a:xfrm>
+            <a:prstGeom prst="rect">
+              <a:avLst/>
+            </a:prstGeom>
+            <a:noFill/>
+          </p:spPr>
+          <p:txBody>
+            <a:bodyPr wrap="square" rtlCol="0">
+              <a:spAutoFit/>
+            </a:bodyPr>
+            <a:lstStyle/>
+            <a:p>
+              <a:r>
+                <a:rPr kumimoji="1" lang="ja-JP" altLang="en-US" sz="2400" dirty="0" smtClean="0"/>
+                <a:t>データ送信</a:t>
+              </a:r>
+              <a:endParaRPr kumimoji="1" lang="ja-JP" altLang="en-US" sz="2400" dirty="0"/>
+            </a:p>
+          </p:txBody>
+        </p:sp>
+        <p:sp>
+          <p:nvSpPr>
+            <p:cNvPr id="35" name="テキスト ボックス 34"/>
+            <p:cNvSpPr txBox="1"/>
+            <p:nvPr/>
+          </p:nvSpPr>
+          <p:spPr>
+            <a:xfrm>
+              <a:off x="9777346" y="2444464"/>
+              <a:ext cx="1543193" cy="461665"/>
+            </a:xfrm>
+            <a:prstGeom prst="rect">
+              <a:avLst/>
+            </a:prstGeom>
+            <a:noFill/>
+          </p:spPr>
+          <p:txBody>
+            <a:bodyPr wrap="square" rtlCol="0">
+              <a:spAutoFit/>
+            </a:bodyPr>
+            <a:lstStyle/>
+            <a:p>
+              <a:r>
+                <a:rPr kumimoji="1" lang="en-US" altLang="ja-JP" sz="2400" dirty="0" smtClean="0"/>
+                <a:t>LPLC</a:t>
+              </a:r>
+              <a:r>
+                <a:rPr kumimoji="1" lang="ja-JP" altLang="en-US" sz="2400" dirty="0" smtClean="0"/>
+                <a:t>ノード</a:t>
+              </a:r>
+              <a:endParaRPr kumimoji="1" lang="ja-JP" altLang="en-US" sz="2400" dirty="0"/>
+            </a:p>
+          </p:txBody>
+        </p:sp>
+        <p:sp>
+          <p:nvSpPr>
+            <p:cNvPr id="31" name="左矢印 30"/>
+            <p:cNvSpPr/>
+            <p:nvPr/>
+          </p:nvSpPr>
+          <p:spPr>
+            <a:xfrm rot="20545521">
+              <a:off x="6874383" y="2219285"/>
+              <a:ext cx="2191657" cy="628357"/>
+            </a:xfrm>
+            <a:prstGeom prst="leftArrow">
+              <a:avLst/>
+            </a:prstGeom>
+          </p:spPr>
+          <p:style>
+            <a:lnRef idx="2">
+              <a:schemeClr val="dk1"/>
+            </a:lnRef>
+            <a:fillRef idx="1">
+              <a:schemeClr val="lt1"/>
+            </a:fillRef>
+            <a:effectRef idx="0">
+              <a:schemeClr val="dk1"/>
+            </a:effectRef>
+            <a:fontRef idx="minor">
+              <a:schemeClr val="dk1"/>
+            </a:fontRef>
+          </p:style>
+          <p:txBody>
+            <a:bodyPr rtlCol="0" anchor="ctr"/>
+            <a:lstStyle/>
+            <a:p>
+              <a:pPr algn="ctr"/>
+              <a:r>
+                <a:rPr kumimoji="1" lang="ja-JP" altLang="en-US" sz="2000" dirty="0" smtClean="0"/>
+                <a:t>データリクエスト</a:t>
+              </a:r>
+              <a:endParaRPr kumimoji="1" lang="ja-JP" altLang="en-US" sz="2000" dirty="0"/>
+            </a:p>
+          </p:txBody>
+        </p:sp>
       </p:grpSp>
     </p:spTree>
     <p:extLst>
       <p:ext uri="{BB962C8B-B14F-4D97-AF65-F5344CB8AC3E}">
         <p14:creationId xmlns:p14="http://schemas.microsoft.com/office/powerpoint/2010/main" val="3714486931"/>
+      </p:ext>
+    </p:extLst>
+  </p:cSld>
+  <p:clrMapOvr>
+    <a:masterClrMapping/>
+  </p:clrMapOvr>
+</p:sld>
+</file>
+
+<file path=ppt/slides/slide2.xml><?xml version="1.0" encoding="utf-8"?>
+<p:sld xmlns:a="http://schemas.openxmlformats.org/drawingml/2006/main" xmlns:r="http://schemas.openxmlformats.org/officeDocument/2006/relationships" xmlns:p="http://schemas.openxmlformats.org/presentationml/2006/main">
+  <p:cSld>
+    <p:spTree>
+      <p:nvGrpSpPr>
+        <p:cNvPr id="1" name=""/>
+        <p:cNvGrpSpPr/>
+        <p:nvPr/>
+      </p:nvGrpSpPr>
+      <p:grpSpPr>
+        <a:xfrm>
+          <a:off x="0" y="0"/>
+          <a:ext cx="0" cy="0"/>
+          <a:chOff x="0" y="0"/>
+          <a:chExt cx="0" cy="0"/>
+        </a:xfrm>
+      </p:grpSpPr>
+      <p:sp>
+        <p:nvSpPr>
+          <p:cNvPr id="2" name="右矢印 1"/>
+          <p:cNvSpPr/>
+          <p:nvPr/>
+        </p:nvSpPr>
+        <p:spPr>
+          <a:xfrm rot="10133291">
+            <a:off x="1627390" y="1496317"/>
+            <a:ext cx="3376372" cy="1171349"/>
+          </a:xfrm>
+          <a:prstGeom prst="rightArrow">
+            <a:avLst/>
+          </a:prstGeom>
+          <a:ln w="57150"/>
+        </p:spPr>
+        <p:style>
+          <a:lnRef idx="2">
+            <a:schemeClr val="dk1"/>
+          </a:lnRef>
+          <a:fillRef idx="1">
+            <a:schemeClr val="lt1"/>
+          </a:fillRef>
+          <a:effectRef idx="0">
+            <a:schemeClr val="dk1"/>
+          </a:effectRef>
+          <a:fontRef idx="minor">
+            <a:schemeClr val="dk1"/>
+          </a:fontRef>
+        </p:style>
+        <p:txBody>
+          <a:bodyPr rtlCol="0" anchor="ctr"/>
+          <a:lstStyle/>
+          <a:p>
+            <a:pPr algn="ctr"/>
+            <a:endParaRPr kumimoji="1" lang="ja-JP" altLang="en-US"/>
+          </a:p>
+        </p:txBody>
+      </p:sp>
+      <p:sp>
+        <p:nvSpPr>
+          <p:cNvPr id="3" name="テキスト ボックス 2"/>
+          <p:cNvSpPr txBox="1"/>
+          <p:nvPr/>
+        </p:nvSpPr>
+        <p:spPr>
+          <a:xfrm rot="20917296">
+            <a:off x="2205195" y="1773321"/>
+            <a:ext cx="2538953" cy="523220"/>
+          </a:xfrm>
+          <a:prstGeom prst="rect">
+            <a:avLst/>
+          </a:prstGeom>
+          <a:noFill/>
+        </p:spPr>
+        <p:txBody>
+          <a:bodyPr wrap="square" rtlCol="0">
+            <a:spAutoFit/>
+          </a:bodyPr>
+          <a:lstStyle/>
+          <a:p>
+            <a:r>
+              <a:rPr kumimoji="1" lang="ja-JP" altLang="en-US" sz="2800" dirty="0" smtClean="0"/>
+              <a:t>センシング命令</a:t>
+            </a:r>
+            <a:endParaRPr kumimoji="1" lang="ja-JP" altLang="en-US" sz="2800" dirty="0"/>
+          </a:p>
+        </p:txBody>
+      </p:sp>
+      <p:pic>
+        <p:nvPicPr>
+          <p:cNvPr id="4" name="Picture 4" descr="歩きスマホのイラスト（男子学生）"/>
+          <p:cNvPicPr>
+            <a:picLocks noChangeAspect="1" noChangeArrowheads="1"/>
+          </p:cNvPicPr>
+          <p:nvPr/>
+        </p:nvPicPr>
+        <p:blipFill>
+          <a:blip r:embed="rId2">
+            <a:extLst>
+              <a:ext uri="{28A0092B-C50C-407E-A947-70E740481C1C}">
+                <a14:useLocalDpi xmlns:a14="http://schemas.microsoft.com/office/drawing/2010/main" val="0"/>
+              </a:ext>
+            </a:extLst>
+          </a:blip>
+          <a:srcRect/>
+          <a:stretch>
+            <a:fillRect/>
+          </a:stretch>
+        </p:blipFill>
+        <p:spPr bwMode="auto">
+          <a:xfrm>
+            <a:off x="682671" y="386537"/>
+            <a:ext cx="1714500" cy="1714500"/>
+          </a:xfrm>
+          <a:prstGeom prst="rect">
+            <a:avLst/>
+          </a:prstGeom>
+          <a:noFill/>
+          <a:extLst>
+            <a:ext uri="{909E8E84-426E-40DD-AFC4-6F175D3DCCD1}">
+              <a14:hiddenFill xmlns:a14="http://schemas.microsoft.com/office/drawing/2010/main">
+                <a:solidFill>
+                  <a:srgbClr val="FFFFFF"/>
+                </a:solidFill>
+              </a14:hiddenFill>
+            </a:ext>
+          </a:extLst>
+        </p:spPr>
+      </p:pic>
+      <p:pic>
+        <p:nvPicPr>
+          <p:cNvPr id="5" name="Picture 2" descr="公衆Wi-Fiを見つけた人のイラスト（アジア人）"/>
+          <p:cNvPicPr>
+            <a:picLocks noChangeAspect="1" noChangeArrowheads="1"/>
+          </p:cNvPicPr>
+          <p:nvPr/>
+        </p:nvPicPr>
+        <p:blipFill>
+          <a:blip r:embed="rId3">
+            <a:extLst>
+              <a:ext uri="{28A0092B-C50C-407E-A947-70E740481C1C}">
+                <a14:useLocalDpi xmlns:a14="http://schemas.microsoft.com/office/drawing/2010/main" val="0"/>
+              </a:ext>
+            </a:extLst>
+          </a:blip>
+          <a:srcRect/>
+          <a:stretch>
+            <a:fillRect/>
+          </a:stretch>
+        </p:blipFill>
+        <p:spPr bwMode="auto">
+          <a:xfrm>
+            <a:off x="7628708" y="672616"/>
+            <a:ext cx="2225238" cy="2225238"/>
+          </a:xfrm>
+          <a:prstGeom prst="rect">
+            <a:avLst/>
+          </a:prstGeom>
+          <a:noFill/>
+          <a:extLst>
+            <a:ext uri="{909E8E84-426E-40DD-AFC4-6F175D3DCCD1}">
+              <a14:hiddenFill xmlns:a14="http://schemas.microsoft.com/office/drawing/2010/main">
+                <a:solidFill>
+                  <a:srgbClr val="FFFFFF"/>
+                </a:solidFill>
+              </a14:hiddenFill>
+            </a:ext>
+          </a:extLst>
+        </p:spPr>
+      </p:pic>
+    </p:spTree>
+    <p:extLst>
+      <p:ext uri="{BB962C8B-B14F-4D97-AF65-F5344CB8AC3E}">
+        <p14:creationId xmlns:p14="http://schemas.microsoft.com/office/powerpoint/2010/main" val="687876257"/>
       </p:ext>
     </p:extLst>
   </p:cSld>
